--- a/wks/A_03_arduino_ide.pptx
+++ b/wks/A_03_arduino_ide.pptx
@@ -5,10 +5,10 @@
     <p:sldMasterId id="2147483927" r:id="rId1"/>
   </p:sldMasterIdLst>
   <p:notesMasterIdLst>
-    <p:notesMasterId r:id="rId13"/>
+    <p:notesMasterId r:id="rId15"/>
   </p:notesMasterIdLst>
   <p:handoutMasterIdLst>
-    <p:handoutMasterId r:id="rId14"/>
+    <p:handoutMasterId r:id="rId16"/>
   </p:handoutMasterIdLst>
   <p:sldIdLst>
     <p:sldId id="311" r:id="rId2"/>
@@ -22,11 +22,13 @@
     <p:sldId id="357" r:id="rId10"/>
     <p:sldId id="353" r:id="rId11"/>
     <p:sldId id="358" r:id="rId12"/>
+    <p:sldId id="361" r:id="rId13"/>
+    <p:sldId id="360" r:id="rId14"/>
   </p:sldIdLst>
   <p:sldSz cx="9906000" cy="6858000" type="A4"/>
   <p:notesSz cx="6896100" cy="10033000"/>
   <p:custDataLst>
-    <p:tags r:id="rId15"/>
+    <p:tags r:id="rId17"/>
   </p:custDataLst>
   <p:defaultTextStyle>
     <a:defPPr>
@@ -355,7 +357,7 @@
             <a:fld id="{2FB4FF29-EE9A-4D47-9F1A-289A80693C0F}" type="datetimeFigureOut">
               <a:rPr lang="en-US" smtClean="0"/>
               <a:pPr/>
-              <a:t>5/27/2015</a:t>
+              <a:t>5/29/2015</a:t>
             </a:fld>
             <a:endParaRPr lang="en-US" dirty="0"/>
           </a:p>
@@ -960,6 +962,204 @@
 </p:notes>
 </file>
 
+<file path=ppt/notesSlides/notesSlide12.xml><?xml version="1.0" encoding="utf-8"?>
+<p:notes xmlns:a="http://schemas.openxmlformats.org/drawingml/2006/main" xmlns:r="http://schemas.openxmlformats.org/officeDocument/2006/relationships" xmlns:p="http://schemas.openxmlformats.org/presentationml/2006/main">
+  <p:cSld>
+    <p:spTree>
+      <p:nvGrpSpPr>
+        <p:cNvPr id="1" name=""/>
+        <p:cNvGrpSpPr/>
+        <p:nvPr/>
+      </p:nvGrpSpPr>
+      <p:grpSpPr>
+        <a:xfrm>
+          <a:off x="0" y="0"/>
+          <a:ext cx="0" cy="0"/>
+          <a:chOff x="0" y="0"/>
+          <a:chExt cx="0" cy="0"/>
+        </a:xfrm>
+      </p:grpSpPr>
+      <p:sp>
+        <p:nvSpPr>
+          <p:cNvPr id="2" name="Slide Image Placeholder 1"/>
+          <p:cNvSpPr>
+            <a:spLocks noGrp="1" noRot="1" noChangeAspect="1"/>
+          </p:cNvSpPr>
+          <p:nvPr>
+            <p:ph type="sldImg"/>
+          </p:nvPr>
+        </p:nvSpPr>
+        <p:spPr/>
+      </p:sp>
+      <p:sp>
+        <p:nvSpPr>
+          <p:cNvPr id="3" name="Notes Placeholder 2"/>
+          <p:cNvSpPr>
+            <a:spLocks noGrp="1"/>
+          </p:cNvSpPr>
+          <p:nvPr>
+            <p:ph type="body" idx="1"/>
+          </p:nvPr>
+        </p:nvSpPr>
+        <p:spPr/>
+        <p:txBody>
+          <a:bodyPr>
+            <a:normAutofit/>
+          </a:bodyPr>
+          <a:lstStyle/>
+          <a:p>
+            <a:pPr marL="0" marR="0" indent="0" algn="l" defTabSz="914342" rtl="0" eaLnBrk="1" fontAlgn="auto" latinLnBrk="0" hangingPunct="1">
+              <a:lnSpc>
+                <a:spcPct val="90000"/>
+              </a:lnSpc>
+              <a:spcBef>
+                <a:spcPts val="0"/>
+              </a:spcBef>
+              <a:spcAft>
+                <a:spcPts val="400"/>
+              </a:spcAft>
+              <a:buClrTx/>
+              <a:buSzTx/>
+              <a:buFontTx/>
+              <a:buNone/>
+              <a:tabLst/>
+              <a:defRPr/>
+            </a:pPr>
+            <a:endParaRPr lang="en-US" dirty="0" smtClean="0"/>
+          </a:p>
+        </p:txBody>
+      </p:sp>
+      <p:sp>
+        <p:nvSpPr>
+          <p:cNvPr id="4" name="Slide Number Placeholder 3"/>
+          <p:cNvSpPr>
+            <a:spLocks noGrp="1"/>
+          </p:cNvSpPr>
+          <p:nvPr>
+            <p:ph type="sldNum" sz="quarter" idx="10"/>
+          </p:nvPr>
+        </p:nvSpPr>
+        <p:spPr/>
+        <p:txBody>
+          <a:bodyPr/>
+          <a:lstStyle/>
+          <a:p>
+            <a:fld id="{71E7D22E-2FCF-4181-8686-08BDCDF94062}" type="slidenum">
+              <a:rPr lang="en-US" smtClean="0"/>
+              <a:pPr/>
+              <a:t>12</a:t>
+            </a:fld>
+            <a:endParaRPr lang="en-US" dirty="0"/>
+          </a:p>
+        </p:txBody>
+      </p:sp>
+    </p:spTree>
+  </p:cSld>
+  <p:clrMapOvr>
+    <a:masterClrMapping/>
+  </p:clrMapOvr>
+</p:notes>
+</file>
+
+<file path=ppt/notesSlides/notesSlide13.xml><?xml version="1.0" encoding="utf-8"?>
+<p:notes xmlns:a="http://schemas.openxmlformats.org/drawingml/2006/main" xmlns:r="http://schemas.openxmlformats.org/officeDocument/2006/relationships" xmlns:p="http://schemas.openxmlformats.org/presentationml/2006/main">
+  <p:cSld>
+    <p:spTree>
+      <p:nvGrpSpPr>
+        <p:cNvPr id="1" name=""/>
+        <p:cNvGrpSpPr/>
+        <p:nvPr/>
+      </p:nvGrpSpPr>
+      <p:grpSpPr>
+        <a:xfrm>
+          <a:off x="0" y="0"/>
+          <a:ext cx="0" cy="0"/>
+          <a:chOff x="0" y="0"/>
+          <a:chExt cx="0" cy="0"/>
+        </a:xfrm>
+      </p:grpSpPr>
+      <p:sp>
+        <p:nvSpPr>
+          <p:cNvPr id="2" name="Slide Image Placeholder 1"/>
+          <p:cNvSpPr>
+            <a:spLocks noGrp="1" noRot="1" noChangeAspect="1"/>
+          </p:cNvSpPr>
+          <p:nvPr>
+            <p:ph type="sldImg"/>
+          </p:nvPr>
+        </p:nvSpPr>
+        <p:spPr/>
+      </p:sp>
+      <p:sp>
+        <p:nvSpPr>
+          <p:cNvPr id="3" name="Notes Placeholder 2"/>
+          <p:cNvSpPr>
+            <a:spLocks noGrp="1"/>
+          </p:cNvSpPr>
+          <p:nvPr>
+            <p:ph type="body" idx="1"/>
+          </p:nvPr>
+        </p:nvSpPr>
+        <p:spPr/>
+        <p:txBody>
+          <a:bodyPr>
+            <a:normAutofit/>
+          </a:bodyPr>
+          <a:lstStyle/>
+          <a:p>
+            <a:pPr marL="0" marR="0" indent="0" algn="l" defTabSz="914342" rtl="0" eaLnBrk="1" fontAlgn="auto" latinLnBrk="0" hangingPunct="1">
+              <a:lnSpc>
+                <a:spcPct val="90000"/>
+              </a:lnSpc>
+              <a:spcBef>
+                <a:spcPts val="0"/>
+              </a:spcBef>
+              <a:spcAft>
+                <a:spcPts val="400"/>
+              </a:spcAft>
+              <a:buClrTx/>
+              <a:buSzTx/>
+              <a:buFontTx/>
+              <a:buNone/>
+              <a:tabLst/>
+              <a:defRPr/>
+            </a:pPr>
+            <a:endParaRPr lang="en-US" dirty="0" smtClean="0"/>
+          </a:p>
+        </p:txBody>
+      </p:sp>
+      <p:sp>
+        <p:nvSpPr>
+          <p:cNvPr id="4" name="Slide Number Placeholder 3"/>
+          <p:cNvSpPr>
+            <a:spLocks noGrp="1"/>
+          </p:cNvSpPr>
+          <p:nvPr>
+            <p:ph type="sldNum" sz="quarter" idx="10"/>
+          </p:nvPr>
+        </p:nvSpPr>
+        <p:spPr/>
+        <p:txBody>
+          <a:bodyPr/>
+          <a:lstStyle/>
+          <a:p>
+            <a:fld id="{71E7D22E-2FCF-4181-8686-08BDCDF94062}" type="slidenum">
+              <a:rPr lang="en-US" smtClean="0"/>
+              <a:pPr/>
+              <a:t>13</a:t>
+            </a:fld>
+            <a:endParaRPr lang="en-US" dirty="0"/>
+          </a:p>
+        </p:txBody>
+      </p:sp>
+    </p:spTree>
+  </p:cSld>
+  <p:clrMapOvr>
+    <a:masterClrMapping/>
+  </p:clrMapOvr>
+</p:notes>
+</file>
+
 <file path=ppt/notesSlides/notesSlide2.xml><?xml version="1.0" encoding="utf-8"?>
 <p:notes xmlns:a="http://schemas.openxmlformats.org/drawingml/2006/main" xmlns:r="http://schemas.openxmlformats.org/officeDocument/2006/relationships" xmlns:p="http://schemas.openxmlformats.org/presentationml/2006/main">
   <p:cSld>
@@ -1072,11 +1272,7 @@
             </a:r>
             <a:r>
               <a:rPr lang="pl-PL" dirty="0" smtClean="0"/>
-              <a:t> </a:t>
-            </a:r>
-            <a:r>
-              <a:rPr lang="pl-PL" dirty="0" smtClean="0"/>
-              <a:t>– szeregowa, dwukierunkowa </a:t>
+              <a:t> – szeregowa, dwukierunkowa </a:t>
             </a:r>
             <a:r>
               <a:rPr lang="pl-PL" dirty="0" smtClean="0">
@@ -11419,6 +11615,2194 @@
 </p:sld>
 </file>
 
+<file path=ppt/slides/slide12.xml><?xml version="1.0" encoding="utf-8"?>
+<p:sld xmlns:a="http://schemas.openxmlformats.org/drawingml/2006/main" xmlns:r="http://schemas.openxmlformats.org/officeDocument/2006/relationships" xmlns:p="http://schemas.openxmlformats.org/presentationml/2006/main">
+  <p:cSld>
+    <p:spTree>
+      <p:nvGrpSpPr>
+        <p:cNvPr id="1" name=""/>
+        <p:cNvGrpSpPr/>
+        <p:nvPr/>
+      </p:nvGrpSpPr>
+      <p:grpSpPr>
+        <a:xfrm>
+          <a:off x="0" y="0"/>
+          <a:ext cx="0" cy="0"/>
+          <a:chOff x="0" y="0"/>
+          <a:chExt cx="0" cy="0"/>
+        </a:xfrm>
+      </p:grpSpPr>
+      <p:graphicFrame>
+        <p:nvGraphicFramePr>
+          <p:cNvPr id="4" name="Object 3" hidden="1"/>
+          <p:cNvGraphicFramePr>
+            <a:graphicFrameLocks noChangeAspect="1"/>
+          </p:cNvGraphicFramePr>
+          <p:nvPr/>
+        </p:nvGraphicFramePr>
+        <p:xfrm>
+          <a:off x="0" y="0"/>
+          <a:ext cx="158750" cy="158750"/>
+        </p:xfrm>
+        <a:graphic>
+          <a:graphicData uri="http://schemas.openxmlformats.org/presentationml/2006/ole">
+            <p:oleObj spid="_x0000_s301058" name="think-cell Slide" r:id="rId5" imgW="360" imgH="360" progId="">
+              <p:embed/>
+            </p:oleObj>
+          </a:graphicData>
+        </a:graphic>
+      </p:graphicFrame>
+      <p:sp>
+        <p:nvSpPr>
+          <p:cNvPr id="2" name="Titre 1"/>
+          <p:cNvSpPr>
+            <a:spLocks noGrp="1"/>
+          </p:cNvSpPr>
+          <p:nvPr>
+            <p:ph type="title"/>
+            <p:custDataLst>
+              <p:tags r:id="rId2"/>
+            </p:custDataLst>
+          </p:nvPr>
+        </p:nvSpPr>
+        <p:spPr/>
+        <p:txBody>
+          <a:bodyPr/>
+          <a:lstStyle/>
+          <a:p>
+            <a:r>
+              <a:rPr lang="pl-PL" dirty="0" err="1" smtClean="0">
+                <a:latin typeface="Arial" pitchFamily="34" charset="0"/>
+                <a:cs typeface="Arial" pitchFamily="34" charset="0"/>
+              </a:rPr>
+              <a:t>Arduino</a:t>
+            </a:r>
+            <a:r>
+              <a:rPr lang="pl-PL" dirty="0" smtClean="0">
+                <a:latin typeface="Arial" pitchFamily="34" charset="0"/>
+                <a:cs typeface="Arial" pitchFamily="34" charset="0"/>
+              </a:rPr>
+              <a:t>: </a:t>
+            </a:r>
+            <a:r>
+              <a:rPr lang="pl-PL" dirty="0" smtClean="0">
+                <a:latin typeface="Arial" pitchFamily="34" charset="0"/>
+                <a:cs typeface="Arial" pitchFamily="34" charset="0"/>
+              </a:rPr>
+              <a:t>analogowe wejście i PWM</a:t>
+            </a:r>
+            <a:endParaRPr lang="en-GB" dirty="0">
+              <a:latin typeface="Arial" pitchFamily="34" charset="0"/>
+              <a:cs typeface="Arial" pitchFamily="34" charset="0"/>
+            </a:endParaRPr>
+          </a:p>
+        </p:txBody>
+      </p:sp>
+      <p:sp>
+        <p:nvSpPr>
+          <p:cNvPr id="8" name="Slide Number Placeholder 7"/>
+          <p:cNvSpPr>
+            <a:spLocks noGrp="1"/>
+          </p:cNvSpPr>
+          <p:nvPr>
+            <p:ph type="sldNum" sz="quarter" idx="11"/>
+          </p:nvPr>
+        </p:nvSpPr>
+        <p:spPr/>
+        <p:txBody>
+          <a:bodyPr/>
+          <a:lstStyle/>
+          <a:p>
+            <a:fld id="{880BADDE-CEDF-4108-ADCD-25C7E5D681A5}" type="slidenum">
+              <a:rPr lang="en-GB" smtClean="0"/>
+              <a:pPr/>
+              <a:t>12</a:t>
+            </a:fld>
+            <a:endParaRPr lang="en-GB" dirty="0"/>
+          </a:p>
+        </p:txBody>
+      </p:sp>
+      <p:sp>
+        <p:nvSpPr>
+          <p:cNvPr id="9" name="Footer Placeholder 8"/>
+          <p:cNvSpPr>
+            <a:spLocks noGrp="1"/>
+          </p:cNvSpPr>
+          <p:nvPr>
+            <p:ph type="ftr" sz="quarter" idx="12"/>
+          </p:nvPr>
+        </p:nvSpPr>
+        <p:spPr/>
+        <p:txBody>
+          <a:bodyPr/>
+          <a:lstStyle/>
+          <a:p>
+            <a:r>
+              <a:rPr lang="en-GB" smtClean="0"/>
+              <a:t>A_03_arduino_ide.pptx</a:t>
+            </a:r>
+            <a:endParaRPr lang="en-GB" dirty="0"/>
+          </a:p>
+        </p:txBody>
+      </p:sp>
+      <p:sp>
+        <p:nvSpPr>
+          <p:cNvPr id="28" name="Date Placeholder 27"/>
+          <p:cNvSpPr>
+            <a:spLocks noGrp="1"/>
+          </p:cNvSpPr>
+          <p:nvPr>
+            <p:ph type="dt" sz="half" idx="10"/>
+          </p:nvPr>
+        </p:nvSpPr>
+        <p:spPr/>
+        <p:txBody>
+          <a:bodyPr/>
+          <a:lstStyle/>
+          <a:p>
+            <a:pPr defTabSz="995445" eaLnBrk="0" hangingPunct="0">
+              <a:lnSpc>
+                <a:spcPct val="90000"/>
+              </a:lnSpc>
+              <a:spcBef>
+                <a:spcPct val="10000"/>
+              </a:spcBef>
+              <a:defRPr/>
+            </a:pPr>
+            <a:r>
+              <a:rPr lang="en-US" dirty="0" smtClean="0"/>
+              <a:t>Creative Commons 4.0 license</a:t>
+            </a:r>
+            <a:endParaRPr lang="de-DE" dirty="0"/>
+          </a:p>
+        </p:txBody>
+      </p:sp>
+      <p:pic>
+        <p:nvPicPr>
+          <p:cNvPr id="10" name="Picture 4" descr="https://encrypted-tbn2.gstatic.com/images?q=tbn:ANd9GcSS5XD-fwsa5DO096u7zP5Rxt8qfokZ36djp-u5skB0qeeazcwI"/>
+          <p:cNvPicPr>
+            <a:picLocks noChangeAspect="1" noChangeArrowheads="1"/>
+          </p:cNvPicPr>
+          <p:nvPr/>
+        </p:nvPicPr>
+        <p:blipFill>
+          <a:blip r:embed="rId6"/>
+          <a:srcRect/>
+          <a:stretch>
+            <a:fillRect/>
+          </a:stretch>
+        </p:blipFill>
+        <p:spPr bwMode="auto">
+          <a:xfrm>
+            <a:off x="7689380" y="0"/>
+            <a:ext cx="992450" cy="992450"/>
+          </a:xfrm>
+          <a:prstGeom prst="rect">
+            <a:avLst/>
+          </a:prstGeom>
+          <a:noFill/>
+        </p:spPr>
+      </p:pic>
+      <p:sp>
+        <p:nvSpPr>
+          <p:cNvPr id="137220" name="AutoShape 4" descr="https://s3.amazonaws.com/ksr/assets/000/839/277/ed8e45bf086a57a613e7e9194eeb1742_large.png"/>
+          <p:cNvSpPr>
+            <a:spLocks noChangeAspect="1" noChangeArrowheads="1"/>
+          </p:cNvSpPr>
+          <p:nvPr/>
+        </p:nvSpPr>
+        <p:spPr bwMode="auto">
+          <a:xfrm>
+            <a:off x="155575" y="-144463"/>
+            <a:ext cx="304800" cy="304801"/>
+          </a:xfrm>
+          <a:prstGeom prst="rect">
+            <a:avLst/>
+          </a:prstGeom>
+          <a:noFill/>
+        </p:spPr>
+        <p:txBody>
+          <a:bodyPr vert="horz" wrap="square" lIns="91440" tIns="45720" rIns="91440" bIns="45720" numCol="1" anchor="t" anchorCtr="0" compatLnSpc="1">
+            <a:prstTxWarp prst="textNoShape">
+              <a:avLst/>
+            </a:prstTxWarp>
+          </a:bodyPr>
+          <a:lstStyle/>
+          <a:p>
+            <a:endParaRPr lang="en-US"/>
+          </a:p>
+        </p:txBody>
+      </p:sp>
+      <p:pic>
+        <p:nvPicPr>
+          <p:cNvPr id="301059" name="Picture 3" descr="C:\git\RoboCap\arduino\wks\A_03_03_analog_input_pwm\analog_input_pwm_bb.png"/>
+          <p:cNvPicPr>
+            <a:picLocks noChangeAspect="1" noChangeArrowheads="1"/>
+          </p:cNvPicPr>
+          <p:nvPr/>
+        </p:nvPicPr>
+        <p:blipFill>
+          <a:blip r:embed="rId7"/>
+          <a:srcRect/>
+          <a:stretch>
+            <a:fillRect/>
+          </a:stretch>
+        </p:blipFill>
+        <p:spPr bwMode="auto">
+          <a:xfrm>
+            <a:off x="1424510" y="1412720"/>
+            <a:ext cx="7160610" cy="4680000"/>
+          </a:xfrm>
+          <a:prstGeom prst="rect">
+            <a:avLst/>
+          </a:prstGeom>
+          <a:noFill/>
+        </p:spPr>
+      </p:pic>
+    </p:spTree>
+  </p:cSld>
+  <p:clrMapOvr>
+    <a:masterClrMapping/>
+  </p:clrMapOvr>
+  <p:timing>
+    <p:tnLst>
+      <p:par>
+        <p:cTn id="1" dur="indefinite" restart="never" nodeType="tmRoot"/>
+      </p:par>
+    </p:tnLst>
+  </p:timing>
+</p:sld>
+</file>
+
+<file path=ppt/slides/slide13.xml><?xml version="1.0" encoding="utf-8"?>
+<p:sld xmlns:a="http://schemas.openxmlformats.org/drawingml/2006/main" xmlns:r="http://schemas.openxmlformats.org/officeDocument/2006/relationships" xmlns:p="http://schemas.openxmlformats.org/presentationml/2006/main">
+  <p:cSld>
+    <p:spTree>
+      <p:nvGrpSpPr>
+        <p:cNvPr id="1" name=""/>
+        <p:cNvGrpSpPr/>
+        <p:nvPr/>
+      </p:nvGrpSpPr>
+      <p:grpSpPr>
+        <a:xfrm>
+          <a:off x="0" y="0"/>
+          <a:ext cx="0" cy="0"/>
+          <a:chOff x="0" y="0"/>
+          <a:chExt cx="0" cy="0"/>
+        </a:xfrm>
+      </p:grpSpPr>
+      <p:graphicFrame>
+        <p:nvGraphicFramePr>
+          <p:cNvPr id="4" name="Object 3" hidden="1"/>
+          <p:cNvGraphicFramePr>
+            <a:graphicFrameLocks noChangeAspect="1"/>
+          </p:cNvGraphicFramePr>
+          <p:nvPr/>
+        </p:nvGraphicFramePr>
+        <p:xfrm>
+          <a:off x="0" y="0"/>
+          <a:ext cx="158750" cy="158750"/>
+        </p:xfrm>
+        <a:graphic>
+          <a:graphicData uri="http://schemas.openxmlformats.org/presentationml/2006/ole">
+            <p:oleObj spid="_x0000_s300034" name="think-cell Slide" r:id="rId5" imgW="360" imgH="360" progId="">
+              <p:embed/>
+            </p:oleObj>
+          </a:graphicData>
+        </a:graphic>
+      </p:graphicFrame>
+      <p:sp>
+        <p:nvSpPr>
+          <p:cNvPr id="2" name="Titre 1"/>
+          <p:cNvSpPr>
+            <a:spLocks noGrp="1"/>
+          </p:cNvSpPr>
+          <p:nvPr>
+            <p:ph type="title"/>
+            <p:custDataLst>
+              <p:tags r:id="rId2"/>
+            </p:custDataLst>
+          </p:nvPr>
+        </p:nvSpPr>
+        <p:spPr/>
+        <p:txBody>
+          <a:bodyPr/>
+          <a:lstStyle/>
+          <a:p>
+            <a:r>
+              <a:rPr lang="pl-PL" dirty="0" err="1" smtClean="0">
+                <a:latin typeface="Arial" pitchFamily="34" charset="0"/>
+                <a:cs typeface="Arial" pitchFamily="34" charset="0"/>
+              </a:rPr>
+              <a:t>Arduino</a:t>
+            </a:r>
+            <a:r>
+              <a:rPr lang="pl-PL" dirty="0" smtClean="0">
+                <a:latin typeface="Arial" pitchFamily="34" charset="0"/>
+                <a:cs typeface="Arial" pitchFamily="34" charset="0"/>
+              </a:rPr>
+              <a:t> – </a:t>
+            </a:r>
+            <a:r>
+              <a:rPr lang="pl-PL" dirty="0" smtClean="0">
+                <a:latin typeface="Arial" pitchFamily="34" charset="0"/>
+                <a:cs typeface="Arial" pitchFamily="34" charset="0"/>
+              </a:rPr>
+              <a:t>analogowe wejście i PWM</a:t>
+            </a:r>
+            <a:endParaRPr lang="en-GB" dirty="0">
+              <a:latin typeface="Arial" pitchFamily="34" charset="0"/>
+              <a:cs typeface="Arial" pitchFamily="34" charset="0"/>
+            </a:endParaRPr>
+          </a:p>
+        </p:txBody>
+      </p:sp>
+      <p:sp>
+        <p:nvSpPr>
+          <p:cNvPr id="8" name="Slide Number Placeholder 7"/>
+          <p:cNvSpPr>
+            <a:spLocks noGrp="1"/>
+          </p:cNvSpPr>
+          <p:nvPr>
+            <p:ph type="sldNum" sz="quarter" idx="11"/>
+          </p:nvPr>
+        </p:nvSpPr>
+        <p:spPr/>
+        <p:txBody>
+          <a:bodyPr/>
+          <a:lstStyle/>
+          <a:p>
+            <a:fld id="{880BADDE-CEDF-4108-ADCD-25C7E5D681A5}" type="slidenum">
+              <a:rPr lang="en-GB" smtClean="0"/>
+              <a:pPr/>
+              <a:t>13</a:t>
+            </a:fld>
+            <a:endParaRPr lang="en-GB" dirty="0"/>
+          </a:p>
+        </p:txBody>
+      </p:sp>
+      <p:sp>
+        <p:nvSpPr>
+          <p:cNvPr id="9" name="Footer Placeholder 8"/>
+          <p:cNvSpPr>
+            <a:spLocks noGrp="1"/>
+          </p:cNvSpPr>
+          <p:nvPr>
+            <p:ph type="ftr" sz="quarter" idx="12"/>
+          </p:nvPr>
+        </p:nvSpPr>
+        <p:spPr/>
+        <p:txBody>
+          <a:bodyPr/>
+          <a:lstStyle/>
+          <a:p>
+            <a:r>
+              <a:rPr lang="en-GB" smtClean="0"/>
+              <a:t>A_03_arduino_ide.pptx</a:t>
+            </a:r>
+            <a:endParaRPr lang="en-GB" dirty="0"/>
+          </a:p>
+        </p:txBody>
+      </p:sp>
+      <p:sp>
+        <p:nvSpPr>
+          <p:cNvPr id="28" name="Date Placeholder 27"/>
+          <p:cNvSpPr>
+            <a:spLocks noGrp="1"/>
+          </p:cNvSpPr>
+          <p:nvPr>
+            <p:ph type="dt" sz="half" idx="10"/>
+          </p:nvPr>
+        </p:nvSpPr>
+        <p:spPr/>
+        <p:txBody>
+          <a:bodyPr/>
+          <a:lstStyle/>
+          <a:p>
+            <a:pPr defTabSz="995445" eaLnBrk="0" hangingPunct="0">
+              <a:lnSpc>
+                <a:spcPct val="90000"/>
+              </a:lnSpc>
+              <a:spcBef>
+                <a:spcPct val="10000"/>
+              </a:spcBef>
+              <a:defRPr/>
+            </a:pPr>
+            <a:r>
+              <a:rPr lang="en-US" dirty="0" smtClean="0"/>
+              <a:t>Creative Commons 4.0 license</a:t>
+            </a:r>
+            <a:endParaRPr lang="de-DE" dirty="0"/>
+          </a:p>
+        </p:txBody>
+      </p:sp>
+      <p:pic>
+        <p:nvPicPr>
+          <p:cNvPr id="10" name="Picture 4" descr="https://encrypted-tbn2.gstatic.com/images?q=tbn:ANd9GcSS5XD-fwsa5DO096u7zP5Rxt8qfokZ36djp-u5skB0qeeazcwI"/>
+          <p:cNvPicPr>
+            <a:picLocks noChangeAspect="1" noChangeArrowheads="1"/>
+          </p:cNvPicPr>
+          <p:nvPr/>
+        </p:nvPicPr>
+        <p:blipFill>
+          <a:blip r:embed="rId6"/>
+          <a:srcRect/>
+          <a:stretch>
+            <a:fillRect/>
+          </a:stretch>
+        </p:blipFill>
+        <p:spPr bwMode="auto">
+          <a:xfrm>
+            <a:off x="7689380" y="0"/>
+            <a:ext cx="992450" cy="992450"/>
+          </a:xfrm>
+          <a:prstGeom prst="rect">
+            <a:avLst/>
+          </a:prstGeom>
+          <a:noFill/>
+        </p:spPr>
+      </p:pic>
+      <p:sp>
+        <p:nvSpPr>
+          <p:cNvPr id="137220" name="AutoShape 4" descr="https://s3.amazonaws.com/ksr/assets/000/839/277/ed8e45bf086a57a613e7e9194eeb1742_large.png"/>
+          <p:cNvSpPr>
+            <a:spLocks noChangeAspect="1" noChangeArrowheads="1"/>
+          </p:cNvSpPr>
+          <p:nvPr/>
+        </p:nvSpPr>
+        <p:spPr bwMode="auto">
+          <a:xfrm>
+            <a:off x="155575" y="-144463"/>
+            <a:ext cx="304800" cy="304801"/>
+          </a:xfrm>
+          <a:prstGeom prst="rect">
+            <a:avLst/>
+          </a:prstGeom>
+          <a:noFill/>
+        </p:spPr>
+        <p:txBody>
+          <a:bodyPr vert="horz" wrap="square" lIns="91440" tIns="45720" rIns="91440" bIns="45720" numCol="1" anchor="t" anchorCtr="0" compatLnSpc="1">
+            <a:prstTxWarp prst="textNoShape">
+              <a:avLst/>
+            </a:prstTxWarp>
+          </a:bodyPr>
+          <a:lstStyle/>
+          <a:p>
+            <a:endParaRPr lang="en-US"/>
+          </a:p>
+        </p:txBody>
+      </p:sp>
+      <p:sp>
+        <p:nvSpPr>
+          <p:cNvPr id="15" name="Content Placeholder 7"/>
+          <p:cNvSpPr>
+            <a:spLocks noGrp="1"/>
+          </p:cNvSpPr>
+          <p:nvPr>
+            <p:ph idx="4294967295"/>
+          </p:nvPr>
+        </p:nvSpPr>
+        <p:spPr>
+          <a:xfrm>
+            <a:off x="4664960" y="1196690"/>
+            <a:ext cx="5112710" cy="5040700"/>
+          </a:xfrm>
+          <a:prstGeom prst="rect">
+            <a:avLst/>
+          </a:prstGeom>
+          <a:solidFill>
+            <a:schemeClr val="bg1">
+              <a:lumMod val="95000"/>
+            </a:schemeClr>
+          </a:solidFill>
+        </p:spPr>
+        <p:txBody>
+          <a:bodyPr>
+            <a:noAutofit/>
+          </a:bodyPr>
+          <a:lstStyle/>
+          <a:p>
+            <a:pPr lvl="0">
+              <a:lnSpc>
+                <a:spcPct val="100000"/>
+              </a:lnSpc>
+              <a:spcAft>
+                <a:spcPts val="0"/>
+              </a:spcAft>
+              <a:buClr>
+                <a:srgbClr val="998C85"/>
+              </a:buClr>
+            </a:pPr>
+            <a:r>
+              <a:rPr lang="en-US" sz="1800" b="1" dirty="0" smtClean="0">
+                <a:solidFill>
+                  <a:srgbClr val="CC0000"/>
+                </a:solidFill>
+                <a:latin typeface="Courier New" pitchFamily="49" charset="0"/>
+                <a:cs typeface="Courier New" pitchFamily="49" charset="0"/>
+              </a:rPr>
+              <a:t>#include &lt;</a:t>
+            </a:r>
+            <a:r>
+              <a:rPr lang="en-US" sz="1800" b="1" dirty="0" err="1" smtClean="0">
+                <a:solidFill>
+                  <a:srgbClr val="CC0000"/>
+                </a:solidFill>
+                <a:latin typeface="Courier New" pitchFamily="49" charset="0"/>
+                <a:cs typeface="Courier New" pitchFamily="49" charset="0"/>
+              </a:rPr>
+              <a:t>Arduino.h</a:t>
+            </a:r>
+            <a:r>
+              <a:rPr lang="en-US" sz="1800" b="1" dirty="0" smtClean="0">
+                <a:solidFill>
+                  <a:srgbClr val="CC0000"/>
+                </a:solidFill>
+                <a:latin typeface="Courier New" pitchFamily="49" charset="0"/>
+                <a:cs typeface="Courier New" pitchFamily="49" charset="0"/>
+              </a:rPr>
+              <a:t>&gt;</a:t>
+            </a:r>
+            <a:r>
+              <a:rPr lang="en-US" sz="1800" dirty="0" smtClean="0">
+                <a:latin typeface="Courier New" pitchFamily="49" charset="0"/>
+                <a:cs typeface="Courier New" pitchFamily="49" charset="0"/>
+              </a:rPr>
+              <a:t> </a:t>
+            </a:r>
+            <a:endParaRPr lang="pl-PL" sz="1800" dirty="0" smtClean="0">
+              <a:latin typeface="Courier New" pitchFamily="49" charset="0"/>
+              <a:cs typeface="Courier New" pitchFamily="49" charset="0"/>
+            </a:endParaRPr>
+          </a:p>
+          <a:p>
+            <a:pPr lvl="0">
+              <a:lnSpc>
+                <a:spcPct val="100000"/>
+              </a:lnSpc>
+              <a:spcAft>
+                <a:spcPts val="0"/>
+              </a:spcAft>
+              <a:buClr>
+                <a:srgbClr val="998C85"/>
+              </a:buClr>
+            </a:pPr>
+            <a:r>
+              <a:rPr lang="en-US" sz="1800" b="1" dirty="0" smtClean="0">
+                <a:solidFill>
+                  <a:srgbClr val="888888"/>
+                </a:solidFill>
+                <a:latin typeface="Courier New" pitchFamily="49" charset="0"/>
+                <a:cs typeface="Courier New" pitchFamily="49" charset="0"/>
+              </a:rPr>
+              <a:t>void</a:t>
+            </a:r>
+            <a:r>
+              <a:rPr lang="en-US" sz="1800" dirty="0" smtClean="0">
+                <a:latin typeface="Courier New" pitchFamily="49" charset="0"/>
+                <a:cs typeface="Courier New" pitchFamily="49" charset="0"/>
+              </a:rPr>
+              <a:t> </a:t>
+            </a:r>
+            <a:r>
+              <a:rPr lang="en-US" sz="1800" b="1" dirty="0" err="1" smtClean="0">
+                <a:solidFill>
+                  <a:srgbClr val="0066BB"/>
+                </a:solidFill>
+                <a:latin typeface="Courier New" pitchFamily="49" charset="0"/>
+                <a:cs typeface="Courier New" pitchFamily="49" charset="0"/>
+              </a:rPr>
+              <a:t>printValues</a:t>
+            </a:r>
+            <a:r>
+              <a:rPr lang="en-US" sz="1800" dirty="0" smtClean="0">
+                <a:latin typeface="Courier New" pitchFamily="49" charset="0"/>
+                <a:cs typeface="Courier New" pitchFamily="49" charset="0"/>
+              </a:rPr>
+              <a:t>(</a:t>
+            </a:r>
+            <a:r>
+              <a:rPr lang="en-US" sz="1800" b="1" dirty="0" err="1" smtClean="0">
+                <a:solidFill>
+                  <a:srgbClr val="888888"/>
+                </a:solidFill>
+                <a:latin typeface="Courier New" pitchFamily="49" charset="0"/>
+                <a:cs typeface="Courier New" pitchFamily="49" charset="0"/>
+              </a:rPr>
+              <a:t>int</a:t>
+            </a:r>
+            <a:r>
+              <a:rPr lang="en-US" sz="1800" dirty="0" smtClean="0">
+                <a:latin typeface="Courier New" pitchFamily="49" charset="0"/>
+                <a:cs typeface="Courier New" pitchFamily="49" charset="0"/>
+              </a:rPr>
+              <a:t> </a:t>
+            </a:r>
+            <a:r>
+              <a:rPr lang="en-US" sz="1800" dirty="0" err="1" smtClean="0">
+                <a:latin typeface="Courier New" pitchFamily="49" charset="0"/>
+                <a:cs typeface="Courier New" pitchFamily="49" charset="0"/>
+              </a:rPr>
+              <a:t>rV</a:t>
+            </a:r>
+            <a:r>
+              <a:rPr lang="en-US" sz="1800" dirty="0" smtClean="0">
+                <a:latin typeface="Courier New" pitchFamily="49" charset="0"/>
+                <a:cs typeface="Courier New" pitchFamily="49" charset="0"/>
+              </a:rPr>
+              <a:t>, </a:t>
+            </a:r>
+            <a:r>
+              <a:rPr lang="en-US" sz="1800" b="1" dirty="0" err="1" smtClean="0">
+                <a:solidFill>
+                  <a:srgbClr val="888888"/>
+                </a:solidFill>
+                <a:latin typeface="Courier New" pitchFamily="49" charset="0"/>
+                <a:cs typeface="Courier New" pitchFamily="49" charset="0"/>
+              </a:rPr>
+              <a:t>int</a:t>
+            </a:r>
+            <a:r>
+              <a:rPr lang="en-US" sz="1800" dirty="0" smtClean="0">
+                <a:latin typeface="Courier New" pitchFamily="49" charset="0"/>
+                <a:cs typeface="Courier New" pitchFamily="49" charset="0"/>
+              </a:rPr>
+              <a:t> mV) </a:t>
+            </a:r>
+            <a:r>
+              <a:rPr lang="en-US" sz="1800" dirty="0" smtClean="0">
+                <a:latin typeface="Courier New" pitchFamily="49" charset="0"/>
+                <a:cs typeface="Courier New" pitchFamily="49" charset="0"/>
+              </a:rPr>
+              <a:t>{</a:t>
+            </a:r>
+            <a:endParaRPr lang="pl-PL" sz="1800" dirty="0" smtClean="0">
+              <a:latin typeface="Courier New" pitchFamily="49" charset="0"/>
+              <a:cs typeface="Courier New" pitchFamily="49" charset="0"/>
+            </a:endParaRPr>
+          </a:p>
+          <a:p>
+            <a:pPr lvl="0">
+              <a:lnSpc>
+                <a:spcPct val="100000"/>
+              </a:lnSpc>
+              <a:spcAft>
+                <a:spcPts val="0"/>
+              </a:spcAft>
+              <a:buClr>
+                <a:srgbClr val="998C85"/>
+              </a:buClr>
+            </a:pPr>
+            <a:r>
+              <a:rPr lang="en-US" sz="1800" dirty="0" smtClean="0">
+                <a:latin typeface="Courier New" pitchFamily="49" charset="0"/>
+                <a:cs typeface="Courier New" pitchFamily="49" charset="0"/>
+              </a:rPr>
+              <a:t>  </a:t>
+            </a:r>
+            <a:r>
+              <a:rPr lang="en-US" sz="1800" dirty="0" err="1" smtClean="0">
+                <a:latin typeface="Courier New" pitchFamily="49" charset="0"/>
+                <a:cs typeface="Courier New" pitchFamily="49" charset="0"/>
+              </a:rPr>
+              <a:t>Serial.print</a:t>
+            </a:r>
+            <a:r>
+              <a:rPr lang="en-US" sz="1800" dirty="0" smtClean="0">
+                <a:latin typeface="Courier New" pitchFamily="49" charset="0"/>
+                <a:cs typeface="Courier New" pitchFamily="49" charset="0"/>
+              </a:rPr>
+              <a:t>(</a:t>
+            </a:r>
+            <a:r>
+              <a:rPr lang="en-US" sz="1800" dirty="0" smtClean="0">
+                <a:solidFill>
+                  <a:srgbClr val="DD2200"/>
+                </a:solidFill>
+                <a:latin typeface="Courier New" pitchFamily="49" charset="0"/>
+                <a:cs typeface="Courier New" pitchFamily="49" charset="0"/>
+              </a:rPr>
+              <a:t>"Read value: </a:t>
+            </a:r>
+            <a:r>
+              <a:rPr lang="en-US" sz="1800" dirty="0" smtClean="0">
+                <a:solidFill>
+                  <a:srgbClr val="DD2200"/>
+                </a:solidFill>
+                <a:latin typeface="Courier New" pitchFamily="49" charset="0"/>
+                <a:cs typeface="Courier New" pitchFamily="49" charset="0"/>
+              </a:rPr>
+              <a:t>"</a:t>
+            </a:r>
+            <a:r>
+              <a:rPr lang="en-US" sz="1800" dirty="0" smtClean="0">
+                <a:latin typeface="Courier New" pitchFamily="49" charset="0"/>
+                <a:cs typeface="Courier New" pitchFamily="49" charset="0"/>
+              </a:rPr>
+              <a:t>);</a:t>
+            </a:r>
+            <a:endParaRPr lang="pl-PL" sz="1800" dirty="0" smtClean="0">
+              <a:latin typeface="Courier New" pitchFamily="49" charset="0"/>
+              <a:cs typeface="Courier New" pitchFamily="49" charset="0"/>
+            </a:endParaRPr>
+          </a:p>
+          <a:p>
+            <a:pPr lvl="0">
+              <a:lnSpc>
+                <a:spcPct val="100000"/>
+              </a:lnSpc>
+              <a:spcAft>
+                <a:spcPts val="0"/>
+              </a:spcAft>
+              <a:buClr>
+                <a:srgbClr val="998C85"/>
+              </a:buClr>
+            </a:pPr>
+            <a:r>
+              <a:rPr lang="en-US" sz="1800" dirty="0" smtClean="0">
+                <a:latin typeface="Courier New" pitchFamily="49" charset="0"/>
+                <a:cs typeface="Courier New" pitchFamily="49" charset="0"/>
+              </a:rPr>
+              <a:t>  </a:t>
+            </a:r>
+            <a:r>
+              <a:rPr lang="en-US" sz="1800" dirty="0" err="1" smtClean="0">
+                <a:latin typeface="Courier New" pitchFamily="49" charset="0"/>
+                <a:cs typeface="Courier New" pitchFamily="49" charset="0"/>
+              </a:rPr>
+              <a:t>Serial.print</a:t>
+            </a:r>
+            <a:r>
+              <a:rPr lang="en-US" sz="1800" dirty="0" smtClean="0">
+                <a:latin typeface="Courier New" pitchFamily="49" charset="0"/>
+                <a:cs typeface="Courier New" pitchFamily="49" charset="0"/>
+              </a:rPr>
+              <a:t>(</a:t>
+            </a:r>
+            <a:r>
+              <a:rPr lang="en-US" sz="1800" dirty="0" err="1" smtClean="0">
+                <a:latin typeface="Courier New" pitchFamily="49" charset="0"/>
+                <a:cs typeface="Courier New" pitchFamily="49" charset="0"/>
+              </a:rPr>
+              <a:t>rV</a:t>
+            </a:r>
+            <a:r>
+              <a:rPr lang="en-US" sz="1800" dirty="0" smtClean="0">
+                <a:latin typeface="Courier New" pitchFamily="49" charset="0"/>
+                <a:cs typeface="Courier New" pitchFamily="49" charset="0"/>
+              </a:rPr>
+              <a:t>);</a:t>
+            </a:r>
+            <a:endParaRPr lang="pl-PL" sz="1800" dirty="0" smtClean="0">
+              <a:latin typeface="Courier New" pitchFamily="49" charset="0"/>
+              <a:cs typeface="Courier New" pitchFamily="49" charset="0"/>
+            </a:endParaRPr>
+          </a:p>
+          <a:p>
+            <a:pPr lvl="0">
+              <a:lnSpc>
+                <a:spcPct val="100000"/>
+              </a:lnSpc>
+              <a:spcAft>
+                <a:spcPts val="0"/>
+              </a:spcAft>
+              <a:buClr>
+                <a:srgbClr val="998C85"/>
+              </a:buClr>
+            </a:pPr>
+            <a:r>
+              <a:rPr lang="en-US" sz="1800" dirty="0" smtClean="0">
+                <a:latin typeface="Courier New" pitchFamily="49" charset="0"/>
+                <a:cs typeface="Courier New" pitchFamily="49" charset="0"/>
+              </a:rPr>
+              <a:t>  </a:t>
+            </a:r>
+            <a:r>
+              <a:rPr lang="en-US" sz="1800" dirty="0" err="1" smtClean="0">
+                <a:latin typeface="Courier New" pitchFamily="49" charset="0"/>
+                <a:cs typeface="Courier New" pitchFamily="49" charset="0"/>
+              </a:rPr>
+              <a:t>Serial.print</a:t>
+            </a:r>
+            <a:r>
+              <a:rPr lang="en-US" sz="1800" dirty="0" smtClean="0">
+                <a:latin typeface="Courier New" pitchFamily="49" charset="0"/>
+                <a:cs typeface="Courier New" pitchFamily="49" charset="0"/>
+              </a:rPr>
+              <a:t>(</a:t>
+            </a:r>
+            <a:r>
+              <a:rPr lang="en-US" sz="1800" dirty="0" smtClean="0">
+                <a:solidFill>
+                  <a:srgbClr val="DD2200"/>
+                </a:solidFill>
+                <a:latin typeface="Courier New" pitchFamily="49" charset="0"/>
+                <a:cs typeface="Courier New" pitchFamily="49" charset="0"/>
+              </a:rPr>
+              <a:t>", mapped value: </a:t>
+            </a:r>
+            <a:r>
+              <a:rPr lang="en-US" sz="1800" dirty="0" smtClean="0">
+                <a:solidFill>
+                  <a:srgbClr val="DD2200"/>
+                </a:solidFill>
+                <a:latin typeface="Courier New" pitchFamily="49" charset="0"/>
+                <a:cs typeface="Courier New" pitchFamily="49" charset="0"/>
+              </a:rPr>
+              <a:t>"</a:t>
+            </a:r>
+            <a:r>
+              <a:rPr lang="en-US" sz="1800" dirty="0" smtClean="0">
+                <a:latin typeface="Courier New" pitchFamily="49" charset="0"/>
+                <a:cs typeface="Courier New" pitchFamily="49" charset="0"/>
+              </a:rPr>
+              <a:t>);</a:t>
+            </a:r>
+            <a:endParaRPr lang="pl-PL" sz="1800" dirty="0" smtClean="0">
+              <a:latin typeface="Courier New" pitchFamily="49" charset="0"/>
+              <a:cs typeface="Courier New" pitchFamily="49" charset="0"/>
+            </a:endParaRPr>
+          </a:p>
+          <a:p>
+            <a:pPr lvl="0">
+              <a:lnSpc>
+                <a:spcPct val="100000"/>
+              </a:lnSpc>
+              <a:spcAft>
+                <a:spcPts val="0"/>
+              </a:spcAft>
+              <a:buClr>
+                <a:srgbClr val="998C85"/>
+              </a:buClr>
+            </a:pPr>
+            <a:r>
+              <a:rPr lang="en-US" sz="1800" dirty="0" smtClean="0">
+                <a:latin typeface="Courier New" pitchFamily="49" charset="0"/>
+                <a:cs typeface="Courier New" pitchFamily="49" charset="0"/>
+              </a:rPr>
+              <a:t>  </a:t>
+            </a:r>
+            <a:r>
+              <a:rPr lang="en-US" sz="1800" dirty="0" err="1" smtClean="0">
+                <a:latin typeface="Courier New" pitchFamily="49" charset="0"/>
+                <a:cs typeface="Courier New" pitchFamily="49" charset="0"/>
+              </a:rPr>
+              <a:t>Serial.println</a:t>
+            </a:r>
+            <a:r>
+              <a:rPr lang="en-US" sz="1800" dirty="0" smtClean="0">
+                <a:latin typeface="Courier New" pitchFamily="49" charset="0"/>
+                <a:cs typeface="Courier New" pitchFamily="49" charset="0"/>
+              </a:rPr>
+              <a:t>(mV</a:t>
+            </a:r>
+            <a:r>
+              <a:rPr lang="en-US" sz="1800" dirty="0" smtClean="0">
+                <a:latin typeface="Courier New" pitchFamily="49" charset="0"/>
+                <a:cs typeface="Courier New" pitchFamily="49" charset="0"/>
+              </a:rPr>
+              <a:t>);</a:t>
+            </a:r>
+            <a:endParaRPr lang="pl-PL" sz="1800" dirty="0" smtClean="0">
+              <a:latin typeface="Courier New" pitchFamily="49" charset="0"/>
+              <a:cs typeface="Courier New" pitchFamily="49" charset="0"/>
+            </a:endParaRPr>
+          </a:p>
+          <a:p>
+            <a:pPr lvl="0">
+              <a:lnSpc>
+                <a:spcPct val="100000"/>
+              </a:lnSpc>
+              <a:spcAft>
+                <a:spcPts val="0"/>
+              </a:spcAft>
+              <a:buClr>
+                <a:srgbClr val="998C85"/>
+              </a:buClr>
+            </a:pPr>
+            <a:r>
+              <a:rPr lang="en-US" sz="1800" dirty="0" smtClean="0">
+                <a:latin typeface="Courier New" pitchFamily="49" charset="0"/>
+                <a:cs typeface="Courier New" pitchFamily="49" charset="0"/>
+              </a:rPr>
+              <a:t>}</a:t>
+            </a:r>
+            <a:r>
+              <a:rPr lang="en-US" sz="1800" dirty="0" smtClean="0">
+                <a:latin typeface="Courier New" pitchFamily="49" charset="0"/>
+                <a:cs typeface="Courier New" pitchFamily="49" charset="0"/>
+              </a:rPr>
+              <a:t> </a:t>
+            </a:r>
+            <a:endParaRPr lang="pl-PL" sz="1800" dirty="0" smtClean="0">
+              <a:latin typeface="Courier New" pitchFamily="49" charset="0"/>
+              <a:cs typeface="Courier New" pitchFamily="49" charset="0"/>
+            </a:endParaRPr>
+          </a:p>
+          <a:p>
+            <a:pPr lvl="0">
+              <a:lnSpc>
+                <a:spcPct val="100000"/>
+              </a:lnSpc>
+              <a:spcAft>
+                <a:spcPts val="0"/>
+              </a:spcAft>
+              <a:buClr>
+                <a:srgbClr val="998C85"/>
+              </a:buClr>
+            </a:pPr>
+            <a:r>
+              <a:rPr lang="en-US" sz="1800" b="1" dirty="0" smtClean="0">
+                <a:solidFill>
+                  <a:srgbClr val="888888"/>
+                </a:solidFill>
+                <a:latin typeface="Courier New" pitchFamily="49" charset="0"/>
+                <a:cs typeface="Courier New" pitchFamily="49" charset="0"/>
+              </a:rPr>
+              <a:t>void</a:t>
+            </a:r>
+            <a:r>
+              <a:rPr lang="en-US" sz="1800" dirty="0" smtClean="0">
+                <a:latin typeface="Courier New" pitchFamily="49" charset="0"/>
+                <a:cs typeface="Courier New" pitchFamily="49" charset="0"/>
+              </a:rPr>
+              <a:t> </a:t>
+            </a:r>
+            <a:r>
+              <a:rPr lang="en-US" sz="1800" b="1" dirty="0" smtClean="0">
+                <a:solidFill>
+                  <a:srgbClr val="0066BB"/>
+                </a:solidFill>
+                <a:latin typeface="Courier New" pitchFamily="49" charset="0"/>
+                <a:cs typeface="Courier New" pitchFamily="49" charset="0"/>
+              </a:rPr>
+              <a:t>setup</a:t>
+            </a:r>
+            <a:r>
+              <a:rPr lang="en-US" sz="1800" dirty="0" smtClean="0">
+                <a:latin typeface="Courier New" pitchFamily="49" charset="0"/>
+                <a:cs typeface="Courier New" pitchFamily="49" charset="0"/>
+              </a:rPr>
+              <a:t>() </a:t>
+            </a:r>
+            <a:r>
+              <a:rPr lang="en-US" sz="1800" dirty="0" smtClean="0">
+                <a:latin typeface="Courier New" pitchFamily="49" charset="0"/>
+                <a:cs typeface="Courier New" pitchFamily="49" charset="0"/>
+              </a:rPr>
+              <a:t>{</a:t>
+            </a:r>
+            <a:endParaRPr lang="pl-PL" sz="1800" dirty="0" smtClean="0">
+              <a:latin typeface="Courier New" pitchFamily="49" charset="0"/>
+              <a:cs typeface="Courier New" pitchFamily="49" charset="0"/>
+            </a:endParaRPr>
+          </a:p>
+          <a:p>
+            <a:pPr lvl="0">
+              <a:lnSpc>
+                <a:spcPct val="100000"/>
+              </a:lnSpc>
+              <a:spcAft>
+                <a:spcPts val="0"/>
+              </a:spcAft>
+              <a:buClr>
+                <a:srgbClr val="998C85"/>
+              </a:buClr>
+            </a:pPr>
+            <a:r>
+              <a:rPr lang="en-US" sz="1800" dirty="0" smtClean="0">
+                <a:latin typeface="Courier New" pitchFamily="49" charset="0"/>
+                <a:cs typeface="Courier New" pitchFamily="49" charset="0"/>
+              </a:rPr>
+              <a:t>  </a:t>
+            </a:r>
+            <a:r>
+              <a:rPr lang="en-US" sz="1800" dirty="0" err="1" smtClean="0">
+                <a:latin typeface="Courier New" pitchFamily="49" charset="0"/>
+                <a:cs typeface="Courier New" pitchFamily="49" charset="0"/>
+              </a:rPr>
+              <a:t>pinMode</a:t>
+            </a:r>
+            <a:r>
+              <a:rPr lang="en-US" sz="1800" dirty="0" smtClean="0">
+                <a:latin typeface="Courier New" pitchFamily="49" charset="0"/>
+                <a:cs typeface="Courier New" pitchFamily="49" charset="0"/>
+              </a:rPr>
+              <a:t>(</a:t>
+            </a:r>
+            <a:r>
+              <a:rPr lang="en-US" sz="1800" b="1" dirty="0" smtClean="0">
+                <a:solidFill>
+                  <a:srgbClr val="0000DD"/>
+                </a:solidFill>
+                <a:latin typeface="Courier New" pitchFamily="49" charset="0"/>
+                <a:cs typeface="Courier New" pitchFamily="49" charset="0"/>
+              </a:rPr>
+              <a:t>11</a:t>
+            </a:r>
+            <a:r>
+              <a:rPr lang="en-US" sz="1800" dirty="0" smtClean="0">
+                <a:latin typeface="Courier New" pitchFamily="49" charset="0"/>
+                <a:cs typeface="Courier New" pitchFamily="49" charset="0"/>
+              </a:rPr>
+              <a:t>, OUTPUT</a:t>
+            </a:r>
+            <a:r>
+              <a:rPr lang="en-US" sz="1800" dirty="0" smtClean="0">
+                <a:latin typeface="Courier New" pitchFamily="49" charset="0"/>
+                <a:cs typeface="Courier New" pitchFamily="49" charset="0"/>
+              </a:rPr>
+              <a:t>);</a:t>
+            </a:r>
+            <a:endParaRPr lang="pl-PL" sz="1800" dirty="0" smtClean="0">
+              <a:latin typeface="Courier New" pitchFamily="49" charset="0"/>
+              <a:cs typeface="Courier New" pitchFamily="49" charset="0"/>
+            </a:endParaRPr>
+          </a:p>
+          <a:p>
+            <a:pPr lvl="0">
+              <a:lnSpc>
+                <a:spcPct val="100000"/>
+              </a:lnSpc>
+              <a:spcAft>
+                <a:spcPts val="0"/>
+              </a:spcAft>
+              <a:buClr>
+                <a:srgbClr val="998C85"/>
+              </a:buClr>
+            </a:pPr>
+            <a:r>
+              <a:rPr lang="en-US" sz="1800" dirty="0" smtClean="0">
+                <a:latin typeface="Courier New" pitchFamily="49" charset="0"/>
+                <a:cs typeface="Courier New" pitchFamily="49" charset="0"/>
+              </a:rPr>
+              <a:t>  </a:t>
+            </a:r>
+            <a:r>
+              <a:rPr lang="en-US" sz="1800" dirty="0" err="1" smtClean="0">
+                <a:latin typeface="Courier New" pitchFamily="49" charset="0"/>
+                <a:cs typeface="Courier New" pitchFamily="49" charset="0"/>
+              </a:rPr>
+              <a:t>Serial.begin</a:t>
+            </a:r>
+            <a:r>
+              <a:rPr lang="en-US" sz="1800" dirty="0" smtClean="0">
+                <a:latin typeface="Courier New" pitchFamily="49" charset="0"/>
+                <a:cs typeface="Courier New" pitchFamily="49" charset="0"/>
+              </a:rPr>
+              <a:t>(</a:t>
+            </a:r>
+            <a:r>
+              <a:rPr lang="en-US" sz="1800" b="1" dirty="0" smtClean="0">
+                <a:solidFill>
+                  <a:srgbClr val="0000DD"/>
+                </a:solidFill>
+                <a:latin typeface="Courier New" pitchFamily="49" charset="0"/>
+                <a:cs typeface="Courier New" pitchFamily="49" charset="0"/>
+              </a:rPr>
+              <a:t>9600</a:t>
+            </a:r>
+            <a:r>
+              <a:rPr lang="en-US" sz="1800" dirty="0" smtClean="0">
+                <a:latin typeface="Courier New" pitchFamily="49" charset="0"/>
+                <a:cs typeface="Courier New" pitchFamily="49" charset="0"/>
+              </a:rPr>
+              <a:t>);</a:t>
+            </a:r>
+            <a:endParaRPr lang="pl-PL" sz="1800" dirty="0" smtClean="0">
+              <a:latin typeface="Courier New" pitchFamily="49" charset="0"/>
+              <a:cs typeface="Courier New" pitchFamily="49" charset="0"/>
+            </a:endParaRPr>
+          </a:p>
+          <a:p>
+            <a:pPr lvl="0">
+              <a:lnSpc>
+                <a:spcPct val="100000"/>
+              </a:lnSpc>
+              <a:spcAft>
+                <a:spcPts val="0"/>
+              </a:spcAft>
+              <a:buClr>
+                <a:srgbClr val="998C85"/>
+              </a:buClr>
+            </a:pPr>
+            <a:r>
+              <a:rPr lang="en-US" sz="1800" dirty="0" smtClean="0">
+                <a:latin typeface="Courier New" pitchFamily="49" charset="0"/>
+                <a:cs typeface="Courier New" pitchFamily="49" charset="0"/>
+              </a:rPr>
+              <a:t>}</a:t>
+            </a:r>
+            <a:r>
+              <a:rPr lang="en-US" sz="1800" dirty="0" smtClean="0">
+                <a:latin typeface="Courier New" pitchFamily="49" charset="0"/>
+                <a:cs typeface="Courier New" pitchFamily="49" charset="0"/>
+              </a:rPr>
+              <a:t> </a:t>
+            </a:r>
+            <a:endParaRPr lang="pl-PL" sz="1800" dirty="0" smtClean="0">
+              <a:latin typeface="Courier New" pitchFamily="49" charset="0"/>
+              <a:cs typeface="Courier New" pitchFamily="49" charset="0"/>
+            </a:endParaRPr>
+          </a:p>
+          <a:p>
+            <a:pPr lvl="0">
+              <a:lnSpc>
+                <a:spcPct val="100000"/>
+              </a:lnSpc>
+              <a:spcAft>
+                <a:spcPts val="0"/>
+              </a:spcAft>
+              <a:buClr>
+                <a:srgbClr val="998C85"/>
+              </a:buClr>
+            </a:pPr>
+            <a:r>
+              <a:rPr lang="en-US" sz="1800" b="1" dirty="0" smtClean="0">
+                <a:solidFill>
+                  <a:srgbClr val="888888"/>
+                </a:solidFill>
+                <a:latin typeface="Courier New" pitchFamily="49" charset="0"/>
+                <a:cs typeface="Courier New" pitchFamily="49" charset="0"/>
+              </a:rPr>
+              <a:t>void</a:t>
+            </a:r>
+            <a:r>
+              <a:rPr lang="en-US" sz="1800" dirty="0" smtClean="0">
+                <a:latin typeface="Courier New" pitchFamily="49" charset="0"/>
+                <a:cs typeface="Courier New" pitchFamily="49" charset="0"/>
+              </a:rPr>
+              <a:t> </a:t>
+            </a:r>
+            <a:r>
+              <a:rPr lang="en-US" sz="1800" b="1" dirty="0" smtClean="0">
+                <a:solidFill>
+                  <a:srgbClr val="0066BB"/>
+                </a:solidFill>
+                <a:latin typeface="Courier New" pitchFamily="49" charset="0"/>
+                <a:cs typeface="Courier New" pitchFamily="49" charset="0"/>
+              </a:rPr>
+              <a:t>loop</a:t>
+            </a:r>
+            <a:r>
+              <a:rPr lang="en-US" sz="1800" dirty="0" smtClean="0">
+                <a:latin typeface="Courier New" pitchFamily="49" charset="0"/>
+                <a:cs typeface="Courier New" pitchFamily="49" charset="0"/>
+              </a:rPr>
+              <a:t>() </a:t>
+            </a:r>
+            <a:r>
+              <a:rPr lang="en-US" sz="1800" dirty="0" smtClean="0">
+                <a:latin typeface="Courier New" pitchFamily="49" charset="0"/>
+                <a:cs typeface="Courier New" pitchFamily="49" charset="0"/>
+              </a:rPr>
+              <a:t>{</a:t>
+            </a:r>
+            <a:endParaRPr lang="pl-PL" sz="1800" dirty="0" smtClean="0">
+              <a:latin typeface="Courier New" pitchFamily="49" charset="0"/>
+              <a:cs typeface="Courier New" pitchFamily="49" charset="0"/>
+            </a:endParaRPr>
+          </a:p>
+          <a:p>
+            <a:pPr lvl="0">
+              <a:lnSpc>
+                <a:spcPct val="100000"/>
+              </a:lnSpc>
+              <a:spcAft>
+                <a:spcPts val="0"/>
+              </a:spcAft>
+              <a:buClr>
+                <a:srgbClr val="998C85"/>
+              </a:buClr>
+            </a:pPr>
+            <a:r>
+              <a:rPr lang="en-US" sz="1800" dirty="0" smtClean="0">
+                <a:latin typeface="Courier New" pitchFamily="49" charset="0"/>
+                <a:cs typeface="Courier New" pitchFamily="49" charset="0"/>
+              </a:rPr>
+              <a:t>  </a:t>
+            </a:r>
+            <a:r>
+              <a:rPr lang="en-US" sz="1800" b="1" dirty="0" err="1" smtClean="0">
+                <a:solidFill>
+                  <a:srgbClr val="888888"/>
+                </a:solidFill>
+                <a:latin typeface="Courier New" pitchFamily="49" charset="0"/>
+                <a:cs typeface="Courier New" pitchFamily="49" charset="0"/>
+              </a:rPr>
+              <a:t>int</a:t>
+            </a:r>
+            <a:r>
+              <a:rPr lang="en-US" sz="1800" dirty="0" smtClean="0">
+                <a:latin typeface="Courier New" pitchFamily="49" charset="0"/>
+                <a:cs typeface="Courier New" pitchFamily="49" charset="0"/>
+              </a:rPr>
+              <a:t> </a:t>
+            </a:r>
+            <a:r>
+              <a:rPr lang="en-US" sz="1800" dirty="0" err="1" smtClean="0">
+                <a:latin typeface="Courier New" pitchFamily="49" charset="0"/>
+                <a:cs typeface="Courier New" pitchFamily="49" charset="0"/>
+              </a:rPr>
+              <a:t>rV</a:t>
+            </a:r>
+            <a:r>
+              <a:rPr lang="en-US" sz="1800" dirty="0" smtClean="0">
+                <a:latin typeface="Courier New" pitchFamily="49" charset="0"/>
+                <a:cs typeface="Courier New" pitchFamily="49" charset="0"/>
+              </a:rPr>
+              <a:t> = </a:t>
+            </a:r>
+            <a:r>
+              <a:rPr lang="en-US" sz="1800" dirty="0" err="1" smtClean="0">
+                <a:latin typeface="Courier New" pitchFamily="49" charset="0"/>
+                <a:cs typeface="Courier New" pitchFamily="49" charset="0"/>
+              </a:rPr>
+              <a:t>analogRead</a:t>
+            </a:r>
+            <a:r>
+              <a:rPr lang="en-US" sz="1800" dirty="0" smtClean="0">
+                <a:latin typeface="Courier New" pitchFamily="49" charset="0"/>
+                <a:cs typeface="Courier New" pitchFamily="49" charset="0"/>
+              </a:rPr>
+              <a:t>(A0</a:t>
+            </a:r>
+            <a:r>
+              <a:rPr lang="en-US" sz="1800" dirty="0" smtClean="0">
+                <a:latin typeface="Courier New" pitchFamily="49" charset="0"/>
+                <a:cs typeface="Courier New" pitchFamily="49" charset="0"/>
+              </a:rPr>
+              <a:t>);</a:t>
+            </a:r>
+            <a:endParaRPr lang="pl-PL" sz="1800" dirty="0" smtClean="0">
+              <a:latin typeface="Courier New" pitchFamily="49" charset="0"/>
+              <a:cs typeface="Courier New" pitchFamily="49" charset="0"/>
+            </a:endParaRPr>
+          </a:p>
+          <a:p>
+            <a:pPr lvl="0">
+              <a:lnSpc>
+                <a:spcPct val="100000"/>
+              </a:lnSpc>
+              <a:spcAft>
+                <a:spcPts val="0"/>
+              </a:spcAft>
+              <a:buClr>
+                <a:srgbClr val="998C85"/>
+              </a:buClr>
+            </a:pPr>
+            <a:r>
+              <a:rPr lang="en-US" sz="1800" dirty="0" smtClean="0">
+                <a:latin typeface="Courier New" pitchFamily="49" charset="0"/>
+                <a:cs typeface="Courier New" pitchFamily="49" charset="0"/>
+              </a:rPr>
+              <a:t>  </a:t>
+            </a:r>
+            <a:r>
+              <a:rPr lang="en-US" sz="1800" b="1" dirty="0" err="1" smtClean="0">
+                <a:solidFill>
+                  <a:srgbClr val="888888"/>
+                </a:solidFill>
+                <a:latin typeface="Courier New" pitchFamily="49" charset="0"/>
+                <a:cs typeface="Courier New" pitchFamily="49" charset="0"/>
+              </a:rPr>
+              <a:t>int</a:t>
+            </a:r>
+            <a:r>
+              <a:rPr lang="en-US" sz="1800" dirty="0" smtClean="0">
+                <a:latin typeface="Courier New" pitchFamily="49" charset="0"/>
+                <a:cs typeface="Courier New" pitchFamily="49" charset="0"/>
+              </a:rPr>
+              <a:t> mV = map(</a:t>
+            </a:r>
+            <a:r>
+              <a:rPr lang="en-US" sz="1800" dirty="0" err="1" smtClean="0">
+                <a:latin typeface="Courier New" pitchFamily="49" charset="0"/>
+                <a:cs typeface="Courier New" pitchFamily="49" charset="0"/>
+              </a:rPr>
+              <a:t>rV</a:t>
+            </a:r>
+            <a:r>
+              <a:rPr lang="en-US" sz="1800" dirty="0" smtClean="0">
+                <a:latin typeface="Courier New" pitchFamily="49" charset="0"/>
+                <a:cs typeface="Courier New" pitchFamily="49" charset="0"/>
+              </a:rPr>
+              <a:t>, </a:t>
+            </a:r>
+            <a:r>
+              <a:rPr lang="en-US" sz="1800" b="1" dirty="0" smtClean="0">
+                <a:solidFill>
+                  <a:srgbClr val="0000DD"/>
+                </a:solidFill>
+                <a:latin typeface="Courier New" pitchFamily="49" charset="0"/>
+                <a:cs typeface="Courier New" pitchFamily="49" charset="0"/>
+              </a:rPr>
+              <a:t>0</a:t>
+            </a:r>
+            <a:r>
+              <a:rPr lang="en-US" sz="1800" dirty="0" smtClean="0">
+                <a:latin typeface="Courier New" pitchFamily="49" charset="0"/>
+                <a:cs typeface="Courier New" pitchFamily="49" charset="0"/>
+              </a:rPr>
+              <a:t>, </a:t>
+            </a:r>
+            <a:r>
+              <a:rPr lang="en-US" sz="1800" b="1" dirty="0" smtClean="0">
+                <a:solidFill>
+                  <a:srgbClr val="0000DD"/>
+                </a:solidFill>
+                <a:latin typeface="Courier New" pitchFamily="49" charset="0"/>
+                <a:cs typeface="Courier New" pitchFamily="49" charset="0"/>
+              </a:rPr>
+              <a:t>1023</a:t>
+            </a:r>
+            <a:r>
+              <a:rPr lang="en-US" sz="1800" dirty="0" smtClean="0">
+                <a:latin typeface="Courier New" pitchFamily="49" charset="0"/>
+                <a:cs typeface="Courier New" pitchFamily="49" charset="0"/>
+              </a:rPr>
+              <a:t>, </a:t>
+            </a:r>
+            <a:r>
+              <a:rPr lang="en-US" sz="1800" b="1" dirty="0" smtClean="0">
+                <a:solidFill>
+                  <a:srgbClr val="0000DD"/>
+                </a:solidFill>
+                <a:latin typeface="Courier New" pitchFamily="49" charset="0"/>
+                <a:cs typeface="Courier New" pitchFamily="49" charset="0"/>
+              </a:rPr>
+              <a:t>0</a:t>
+            </a:r>
+            <a:r>
+              <a:rPr lang="en-US" sz="1800" dirty="0" smtClean="0">
+                <a:latin typeface="Courier New" pitchFamily="49" charset="0"/>
+                <a:cs typeface="Courier New" pitchFamily="49" charset="0"/>
+              </a:rPr>
+              <a:t>, </a:t>
+            </a:r>
+            <a:r>
+              <a:rPr lang="en-US" sz="1800" b="1" dirty="0" smtClean="0">
+                <a:solidFill>
+                  <a:srgbClr val="0000DD"/>
+                </a:solidFill>
+                <a:latin typeface="Courier New" pitchFamily="49" charset="0"/>
+                <a:cs typeface="Courier New" pitchFamily="49" charset="0"/>
+              </a:rPr>
+              <a:t>255</a:t>
+            </a:r>
+            <a:r>
+              <a:rPr lang="en-US" sz="1800" dirty="0" smtClean="0">
+                <a:latin typeface="Courier New" pitchFamily="49" charset="0"/>
+                <a:cs typeface="Courier New" pitchFamily="49" charset="0"/>
+              </a:rPr>
+              <a:t>);</a:t>
+            </a:r>
+            <a:endParaRPr lang="pl-PL" sz="1800" dirty="0" smtClean="0">
+              <a:latin typeface="Courier New" pitchFamily="49" charset="0"/>
+              <a:cs typeface="Courier New" pitchFamily="49" charset="0"/>
+            </a:endParaRPr>
+          </a:p>
+          <a:p>
+            <a:pPr lvl="0">
+              <a:lnSpc>
+                <a:spcPct val="100000"/>
+              </a:lnSpc>
+              <a:spcAft>
+                <a:spcPts val="0"/>
+              </a:spcAft>
+              <a:buClr>
+                <a:srgbClr val="998C85"/>
+              </a:buClr>
+            </a:pPr>
+            <a:r>
+              <a:rPr lang="en-US" sz="1800" dirty="0" smtClean="0">
+                <a:latin typeface="Courier New" pitchFamily="49" charset="0"/>
+                <a:cs typeface="Courier New" pitchFamily="49" charset="0"/>
+              </a:rPr>
+              <a:t>  </a:t>
+            </a:r>
+            <a:r>
+              <a:rPr lang="en-US" sz="1800" dirty="0" err="1" smtClean="0">
+                <a:latin typeface="Courier New" pitchFamily="49" charset="0"/>
+                <a:cs typeface="Courier New" pitchFamily="49" charset="0"/>
+              </a:rPr>
+              <a:t>printValues</a:t>
+            </a:r>
+            <a:r>
+              <a:rPr lang="en-US" sz="1800" dirty="0" smtClean="0">
+                <a:latin typeface="Courier New" pitchFamily="49" charset="0"/>
+                <a:cs typeface="Courier New" pitchFamily="49" charset="0"/>
+              </a:rPr>
+              <a:t>(</a:t>
+            </a:r>
+            <a:r>
+              <a:rPr lang="en-US" sz="1800" dirty="0" err="1" smtClean="0">
+                <a:latin typeface="Courier New" pitchFamily="49" charset="0"/>
+                <a:cs typeface="Courier New" pitchFamily="49" charset="0"/>
+              </a:rPr>
+              <a:t>rV</a:t>
+            </a:r>
+            <a:r>
+              <a:rPr lang="en-US" sz="1800" dirty="0" smtClean="0">
+                <a:latin typeface="Courier New" pitchFamily="49" charset="0"/>
+                <a:cs typeface="Courier New" pitchFamily="49" charset="0"/>
+              </a:rPr>
+              <a:t>, mV</a:t>
+            </a:r>
+            <a:r>
+              <a:rPr lang="en-US" sz="1800" dirty="0" smtClean="0">
+                <a:latin typeface="Courier New" pitchFamily="49" charset="0"/>
+                <a:cs typeface="Courier New" pitchFamily="49" charset="0"/>
+              </a:rPr>
+              <a:t>);</a:t>
+            </a:r>
+            <a:endParaRPr lang="pl-PL" sz="1800" dirty="0" smtClean="0">
+              <a:latin typeface="Courier New" pitchFamily="49" charset="0"/>
+              <a:cs typeface="Courier New" pitchFamily="49" charset="0"/>
+            </a:endParaRPr>
+          </a:p>
+          <a:p>
+            <a:pPr lvl="0">
+              <a:lnSpc>
+                <a:spcPct val="100000"/>
+              </a:lnSpc>
+              <a:spcAft>
+                <a:spcPts val="0"/>
+              </a:spcAft>
+              <a:buClr>
+                <a:srgbClr val="998C85"/>
+              </a:buClr>
+            </a:pPr>
+            <a:r>
+              <a:rPr lang="en-US" sz="1800" dirty="0" smtClean="0">
+                <a:latin typeface="Courier New" pitchFamily="49" charset="0"/>
+                <a:cs typeface="Courier New" pitchFamily="49" charset="0"/>
+              </a:rPr>
+              <a:t>  </a:t>
+            </a:r>
+            <a:r>
+              <a:rPr lang="en-US" sz="1800" dirty="0" err="1" smtClean="0">
+                <a:latin typeface="Courier New" pitchFamily="49" charset="0"/>
+                <a:cs typeface="Courier New" pitchFamily="49" charset="0"/>
+              </a:rPr>
+              <a:t>analogWrite</a:t>
+            </a:r>
+            <a:r>
+              <a:rPr lang="en-US" sz="1800" dirty="0" smtClean="0">
+                <a:latin typeface="Courier New" pitchFamily="49" charset="0"/>
+                <a:cs typeface="Courier New" pitchFamily="49" charset="0"/>
+              </a:rPr>
+              <a:t>(</a:t>
+            </a:r>
+            <a:r>
+              <a:rPr lang="en-US" sz="1800" b="1" dirty="0" smtClean="0">
+                <a:solidFill>
+                  <a:srgbClr val="0000DD"/>
+                </a:solidFill>
+                <a:latin typeface="Courier New" pitchFamily="49" charset="0"/>
+                <a:cs typeface="Courier New" pitchFamily="49" charset="0"/>
+              </a:rPr>
+              <a:t>11</a:t>
+            </a:r>
+            <a:r>
+              <a:rPr lang="en-US" sz="1800" dirty="0" smtClean="0">
+                <a:latin typeface="Courier New" pitchFamily="49" charset="0"/>
+                <a:cs typeface="Courier New" pitchFamily="49" charset="0"/>
+              </a:rPr>
+              <a:t>, mV</a:t>
+            </a:r>
+            <a:r>
+              <a:rPr lang="en-US" sz="1800" dirty="0" smtClean="0">
+                <a:latin typeface="Courier New" pitchFamily="49" charset="0"/>
+                <a:cs typeface="Courier New" pitchFamily="49" charset="0"/>
+              </a:rPr>
+              <a:t>);</a:t>
+            </a:r>
+            <a:endParaRPr lang="pl-PL" sz="1800" dirty="0" smtClean="0">
+              <a:latin typeface="Courier New" pitchFamily="49" charset="0"/>
+              <a:cs typeface="Courier New" pitchFamily="49" charset="0"/>
+            </a:endParaRPr>
+          </a:p>
+          <a:p>
+            <a:pPr lvl="0">
+              <a:lnSpc>
+                <a:spcPct val="100000"/>
+              </a:lnSpc>
+              <a:spcAft>
+                <a:spcPts val="0"/>
+              </a:spcAft>
+              <a:buClr>
+                <a:srgbClr val="998C85"/>
+              </a:buClr>
+            </a:pPr>
+            <a:r>
+              <a:rPr lang="en-US" sz="1800" dirty="0" smtClean="0">
+                <a:latin typeface="Courier New" pitchFamily="49" charset="0"/>
+                <a:cs typeface="Courier New" pitchFamily="49" charset="0"/>
+              </a:rPr>
+              <a:t>  </a:t>
+            </a:r>
+            <a:r>
+              <a:rPr lang="en-US" sz="1800" dirty="0" smtClean="0">
+                <a:latin typeface="Courier New" pitchFamily="49" charset="0"/>
+                <a:cs typeface="Courier New" pitchFamily="49" charset="0"/>
+              </a:rPr>
+              <a:t>delay(</a:t>
+            </a:r>
+            <a:r>
+              <a:rPr lang="en-US" sz="1800" b="1" dirty="0" smtClean="0">
+                <a:solidFill>
+                  <a:srgbClr val="0000DD"/>
+                </a:solidFill>
+                <a:latin typeface="Courier New" pitchFamily="49" charset="0"/>
+                <a:cs typeface="Courier New" pitchFamily="49" charset="0"/>
+              </a:rPr>
+              <a:t>500</a:t>
+            </a:r>
+            <a:r>
+              <a:rPr lang="en-US" sz="1800" dirty="0" smtClean="0">
+                <a:latin typeface="Courier New" pitchFamily="49" charset="0"/>
+                <a:cs typeface="Courier New" pitchFamily="49" charset="0"/>
+              </a:rPr>
+              <a:t>);</a:t>
+            </a:r>
+            <a:endParaRPr lang="pl-PL" sz="1800" dirty="0" smtClean="0">
+              <a:latin typeface="Courier New" pitchFamily="49" charset="0"/>
+              <a:cs typeface="Courier New" pitchFamily="49" charset="0"/>
+            </a:endParaRPr>
+          </a:p>
+          <a:p>
+            <a:pPr lvl="0">
+              <a:lnSpc>
+                <a:spcPct val="100000"/>
+              </a:lnSpc>
+              <a:spcAft>
+                <a:spcPts val="0"/>
+              </a:spcAft>
+              <a:buClr>
+                <a:srgbClr val="998C85"/>
+              </a:buClr>
+            </a:pPr>
+            <a:r>
+              <a:rPr lang="en-US" sz="1800" dirty="0" smtClean="0">
+                <a:latin typeface="Courier New" pitchFamily="49" charset="0"/>
+                <a:cs typeface="Courier New" pitchFamily="49" charset="0"/>
+              </a:rPr>
+              <a:t>}</a:t>
+            </a:r>
+            <a:endParaRPr lang="pl-PL" sz="1800" dirty="0" smtClean="0">
+              <a:solidFill>
+                <a:sysClr val="windowText" lastClr="000000"/>
+              </a:solidFill>
+              <a:latin typeface="Courier New" pitchFamily="49" charset="0"/>
+              <a:cs typeface="Courier New" pitchFamily="49" charset="0"/>
+            </a:endParaRPr>
+          </a:p>
+        </p:txBody>
+      </p:sp>
+      <p:sp>
+        <p:nvSpPr>
+          <p:cNvPr id="11" name="Content Placeholder 7"/>
+          <p:cNvSpPr>
+            <a:spLocks noGrp="1"/>
+          </p:cNvSpPr>
+          <p:nvPr>
+            <p:ph idx="4294967295"/>
+          </p:nvPr>
+        </p:nvSpPr>
+        <p:spPr>
+          <a:xfrm>
+            <a:off x="344360" y="1340710"/>
+            <a:ext cx="4248590" cy="4968690"/>
+          </a:xfrm>
+          <a:prstGeom prst="rect">
+            <a:avLst/>
+          </a:prstGeom>
+        </p:spPr>
+        <p:txBody>
+          <a:bodyPr>
+            <a:noAutofit/>
+          </a:bodyPr>
+          <a:lstStyle/>
+          <a:p>
+            <a:pPr marL="342900" indent="-342900" defTabSz="457200">
+              <a:lnSpc>
+                <a:spcPct val="100000"/>
+              </a:lnSpc>
+              <a:spcBef>
+                <a:spcPct val="20000"/>
+              </a:spcBef>
+              <a:spcAft>
+                <a:spcPts val="1200"/>
+              </a:spcAft>
+              <a:buClrTx/>
+              <a:buFont typeface="Arial" pitchFamily="34" charset="0"/>
+              <a:buChar char="•"/>
+            </a:pPr>
+            <a:r>
+              <a:rPr lang="pl-PL" sz="2000" b="1" dirty="0" err="1" smtClean="0">
+                <a:solidFill>
+                  <a:srgbClr val="0070C0"/>
+                </a:solidFill>
+                <a:latin typeface="Courier New" pitchFamily="49" charset="0"/>
+                <a:cs typeface="Courier New" pitchFamily="49" charset="0"/>
+              </a:rPr>
+              <a:t>Serial.print</a:t>
+            </a:r>
+            <a:r>
+              <a:rPr lang="pl-PL" sz="2000" b="1" dirty="0" err="1" smtClean="0">
+                <a:solidFill>
+                  <a:srgbClr val="FF0000"/>
+                </a:solidFill>
+                <a:latin typeface="Courier New" pitchFamily="49" charset="0"/>
+                <a:cs typeface="Courier New" pitchFamily="49" charset="0"/>
+              </a:rPr>
+              <a:t>ln</a:t>
+            </a:r>
+            <a:r>
+              <a:rPr lang="pl-PL" sz="2000" b="1" dirty="0" smtClean="0">
+                <a:solidFill>
+                  <a:srgbClr val="0070C0"/>
+                </a:solidFill>
+                <a:latin typeface="Courier New" pitchFamily="49" charset="0"/>
+                <a:cs typeface="Courier New" pitchFamily="49" charset="0"/>
+              </a:rPr>
+              <a:t>(</a:t>
+            </a:r>
+            <a:r>
+              <a:rPr lang="pl-PL" sz="2000" b="1" dirty="0" err="1" smtClean="0">
+                <a:solidFill>
+                  <a:srgbClr val="0070C0"/>
+                </a:solidFill>
+                <a:latin typeface="Courier New" pitchFamily="49" charset="0"/>
+                <a:cs typeface="Courier New" pitchFamily="49" charset="0"/>
+              </a:rPr>
+              <a:t>value</a:t>
+            </a:r>
+            <a:r>
+              <a:rPr lang="pl-PL" sz="2000" b="1" dirty="0" smtClean="0">
+                <a:solidFill>
+                  <a:srgbClr val="0070C0"/>
+                </a:solidFill>
+                <a:latin typeface="Courier New" pitchFamily="49" charset="0"/>
+                <a:cs typeface="Courier New" pitchFamily="49" charset="0"/>
+              </a:rPr>
+              <a:t>)</a:t>
+            </a:r>
+            <a:r>
+              <a:rPr lang="pl-PL" sz="2000" b="1" dirty="0" smtClean="0">
+                <a:solidFill>
+                  <a:sysClr val="windowText" lastClr="000000"/>
+                </a:solidFill>
+                <a:latin typeface="Courier New" pitchFamily="49" charset="0"/>
+                <a:cs typeface="Courier New" pitchFamily="49" charset="0"/>
+              </a:rPr>
+              <a:t/>
+            </a:r>
+            <a:br>
+              <a:rPr lang="pl-PL" sz="2000" b="1" dirty="0" smtClean="0">
+                <a:solidFill>
+                  <a:sysClr val="windowText" lastClr="000000"/>
+                </a:solidFill>
+                <a:latin typeface="Courier New" pitchFamily="49" charset="0"/>
+                <a:cs typeface="Courier New" pitchFamily="49" charset="0"/>
+              </a:rPr>
+            </a:br>
+            <a:r>
+              <a:rPr lang="pl-PL" sz="2000" dirty="0" smtClean="0">
+                <a:solidFill>
+                  <a:sysClr val="windowText" lastClr="000000"/>
+                </a:solidFill>
+                <a:latin typeface="+mj-lt"/>
+                <a:cs typeface="Arial" pitchFamily="34" charset="0"/>
+              </a:rPr>
+              <a:t>wysłanie</a:t>
+            </a:r>
+            <a:r>
+              <a:rPr lang="pl-PL" sz="2000" dirty="0" smtClean="0">
+                <a:solidFill>
+                  <a:sysClr val="windowText" lastClr="000000"/>
+                </a:solidFill>
+                <a:latin typeface="+mj-lt"/>
+                <a:cs typeface="Arial" pitchFamily="34" charset="0"/>
+              </a:rPr>
+              <a:t> </a:t>
+            </a:r>
+            <a:r>
+              <a:rPr lang="pl-PL" sz="2000" dirty="0" smtClean="0">
+                <a:solidFill>
+                  <a:sysClr val="windowText" lastClr="000000"/>
+                </a:solidFill>
+                <a:latin typeface="+mj-lt"/>
+                <a:cs typeface="Arial" pitchFamily="34" charset="0"/>
+              </a:rPr>
+              <a:t>danych </a:t>
+            </a:r>
+            <a:r>
+              <a:rPr lang="pl-PL" sz="2000" dirty="0" smtClean="0">
+                <a:solidFill>
+                  <a:sysClr val="windowText" lastClr="000000"/>
+                </a:solidFill>
+                <a:latin typeface="+mj-lt"/>
+                <a:cs typeface="Arial" pitchFamily="34" charset="0"/>
+              </a:rPr>
+              <a:t>w postaci ASCII</a:t>
+            </a:r>
+            <a:endParaRPr lang="pl-PL" sz="2000" dirty="0" smtClean="0">
+              <a:solidFill>
+                <a:sysClr val="windowText" lastClr="000000"/>
+              </a:solidFill>
+              <a:latin typeface="+mj-lt"/>
+              <a:cs typeface="Arial" pitchFamily="34" charset="0"/>
+            </a:endParaRPr>
+          </a:p>
+          <a:p>
+            <a:pPr marL="342900" indent="-342900" defTabSz="457200">
+              <a:lnSpc>
+                <a:spcPct val="100000"/>
+              </a:lnSpc>
+              <a:spcBef>
+                <a:spcPct val="20000"/>
+              </a:spcBef>
+              <a:spcAft>
+                <a:spcPts val="1200"/>
+              </a:spcAft>
+              <a:buClrTx/>
+              <a:buFont typeface="Arial" pitchFamily="34" charset="0"/>
+              <a:buChar char="•"/>
+            </a:pPr>
+            <a:r>
+              <a:rPr lang="pl-PL" sz="2000" b="1" dirty="0" err="1" smtClean="0">
+                <a:solidFill>
+                  <a:srgbClr val="0070C0"/>
+                </a:solidFill>
+                <a:latin typeface="Courier New" pitchFamily="49" charset="0"/>
+                <a:cs typeface="Courier New" pitchFamily="49" charset="0"/>
+              </a:rPr>
+              <a:t>Serial.begin</a:t>
+            </a:r>
+            <a:r>
+              <a:rPr lang="pl-PL" sz="2000" b="1" dirty="0" smtClean="0">
+                <a:solidFill>
+                  <a:srgbClr val="0070C0"/>
+                </a:solidFill>
+                <a:latin typeface="Courier New" pitchFamily="49" charset="0"/>
+                <a:cs typeface="Courier New" pitchFamily="49" charset="0"/>
+              </a:rPr>
+              <a:t>(</a:t>
+            </a:r>
+            <a:r>
+              <a:rPr lang="pl-PL" sz="2000" b="1" dirty="0" err="1" smtClean="0">
+                <a:solidFill>
+                  <a:srgbClr val="0070C0"/>
+                </a:solidFill>
+                <a:latin typeface="Courier New" pitchFamily="49" charset="0"/>
+                <a:cs typeface="Courier New" pitchFamily="49" charset="0"/>
+              </a:rPr>
+              <a:t>value</a:t>
+            </a:r>
+            <a:r>
+              <a:rPr lang="pl-PL" sz="2000" b="1" dirty="0" smtClean="0">
+                <a:solidFill>
+                  <a:srgbClr val="0070C0"/>
+                </a:solidFill>
+                <a:latin typeface="Courier New" pitchFamily="49" charset="0"/>
+                <a:cs typeface="Courier New" pitchFamily="49" charset="0"/>
+              </a:rPr>
+              <a:t>)</a:t>
+            </a:r>
+            <a:br>
+              <a:rPr lang="pl-PL" sz="2000" b="1" dirty="0" smtClean="0">
+                <a:solidFill>
+                  <a:srgbClr val="0070C0"/>
+                </a:solidFill>
+                <a:latin typeface="Courier New" pitchFamily="49" charset="0"/>
+                <a:cs typeface="Courier New" pitchFamily="49" charset="0"/>
+              </a:rPr>
+            </a:br>
+            <a:r>
+              <a:rPr lang="pl-PL" sz="2000" dirty="0" smtClean="0">
+                <a:solidFill>
+                  <a:sysClr val="windowText" lastClr="000000"/>
+                </a:solidFill>
+                <a:latin typeface="Arial" pitchFamily="34" charset="0"/>
+                <a:cs typeface="Arial" pitchFamily="34" charset="0"/>
+              </a:rPr>
+              <a:t>ustala prędkość przesyłu danych</a:t>
+            </a:r>
+          </a:p>
+          <a:p>
+            <a:pPr marL="342900" indent="-342900" defTabSz="457200">
+              <a:lnSpc>
+                <a:spcPct val="100000"/>
+              </a:lnSpc>
+              <a:spcBef>
+                <a:spcPct val="20000"/>
+              </a:spcBef>
+              <a:spcAft>
+                <a:spcPts val="1200"/>
+              </a:spcAft>
+              <a:buClrTx/>
+              <a:buFont typeface="Arial" pitchFamily="34" charset="0"/>
+              <a:buChar char="•"/>
+            </a:pPr>
+            <a:r>
+              <a:rPr lang="pl-PL" sz="2000" b="1" dirty="0" err="1" smtClean="0">
+                <a:solidFill>
+                  <a:srgbClr val="0070C0"/>
+                </a:solidFill>
+                <a:latin typeface="Courier New" pitchFamily="49" charset="0"/>
+                <a:cs typeface="Courier New" pitchFamily="49" charset="0"/>
+              </a:rPr>
+              <a:t>analogRead</a:t>
+            </a:r>
+            <a:r>
+              <a:rPr lang="pl-PL" sz="2000" b="1" dirty="0" smtClean="0">
+                <a:solidFill>
+                  <a:srgbClr val="0070C0"/>
+                </a:solidFill>
+                <a:latin typeface="Courier New" pitchFamily="49" charset="0"/>
+                <a:cs typeface="Courier New" pitchFamily="49" charset="0"/>
+              </a:rPr>
+              <a:t>(pin)</a:t>
+            </a:r>
+            <a:r>
+              <a:rPr lang="pl-PL" sz="2000" b="1" dirty="0" smtClean="0">
+                <a:solidFill>
+                  <a:srgbClr val="0070C0"/>
+                </a:solidFill>
+                <a:latin typeface="Courier New" pitchFamily="49" charset="0"/>
+                <a:cs typeface="Courier New" pitchFamily="49" charset="0"/>
+              </a:rPr>
+              <a:t/>
+            </a:r>
+            <a:br>
+              <a:rPr lang="pl-PL" sz="2000" b="1" dirty="0" smtClean="0">
+                <a:solidFill>
+                  <a:srgbClr val="0070C0"/>
+                </a:solidFill>
+                <a:latin typeface="Courier New" pitchFamily="49" charset="0"/>
+                <a:cs typeface="Courier New" pitchFamily="49" charset="0"/>
+              </a:rPr>
+            </a:br>
+            <a:r>
+              <a:rPr lang="pl-PL" sz="2000" dirty="0" smtClean="0">
+                <a:solidFill>
+                  <a:sysClr val="windowText" lastClr="000000"/>
+                </a:solidFill>
+                <a:latin typeface="Arial" pitchFamily="34" charset="0"/>
+                <a:cs typeface="Arial" pitchFamily="34" charset="0"/>
+              </a:rPr>
+              <a:t>odczytanie </a:t>
+            </a:r>
+            <a:r>
+              <a:rPr lang="pl-PL" sz="2000" dirty="0" smtClean="0">
+                <a:solidFill>
+                  <a:sysClr val="windowText" lastClr="000000"/>
+                </a:solidFill>
+                <a:latin typeface="Arial" pitchFamily="34" charset="0"/>
+                <a:cs typeface="Arial" pitchFamily="34" charset="0"/>
+              </a:rPr>
+              <a:t>wartości </a:t>
+            </a:r>
+            <a:r>
+              <a:rPr lang="pl-PL" sz="2000" dirty="0" smtClean="0">
+                <a:solidFill>
+                  <a:sysClr val="windowText" lastClr="000000"/>
+                </a:solidFill>
+                <a:latin typeface="Arial" pitchFamily="34" charset="0"/>
+                <a:cs typeface="Arial" pitchFamily="34" charset="0"/>
+              </a:rPr>
+              <a:t>analogowego  wtyku (8 bitów)</a:t>
+            </a:r>
+            <a:endParaRPr lang="pl-PL" sz="2000" dirty="0" smtClean="0">
+              <a:solidFill>
+                <a:sysClr val="windowText" lastClr="000000"/>
+              </a:solidFill>
+              <a:latin typeface="Arial" pitchFamily="34" charset="0"/>
+              <a:cs typeface="Arial" pitchFamily="34" charset="0"/>
+            </a:endParaRPr>
+          </a:p>
+          <a:p>
+            <a:pPr marL="342900" indent="-342900" defTabSz="457200">
+              <a:lnSpc>
+                <a:spcPct val="100000"/>
+              </a:lnSpc>
+              <a:spcBef>
+                <a:spcPct val="20000"/>
+              </a:spcBef>
+              <a:spcAft>
+                <a:spcPts val="1200"/>
+              </a:spcAft>
+              <a:buClrTx/>
+              <a:buFont typeface="Arial" pitchFamily="34" charset="0"/>
+              <a:buChar char="•"/>
+            </a:pPr>
+            <a:r>
+              <a:rPr lang="pl-PL" sz="2000" b="1" dirty="0" err="1" smtClean="0">
+                <a:solidFill>
+                  <a:srgbClr val="0070C0"/>
+                </a:solidFill>
+                <a:latin typeface="Courier New" pitchFamily="49" charset="0"/>
+                <a:cs typeface="Courier New" pitchFamily="49" charset="0"/>
+              </a:rPr>
+              <a:t>analogWrite</a:t>
+            </a:r>
+            <a:r>
+              <a:rPr lang="pl-PL" sz="2000" b="1" dirty="0" smtClean="0">
+                <a:solidFill>
+                  <a:srgbClr val="0070C0"/>
+                </a:solidFill>
+                <a:latin typeface="Courier New" pitchFamily="49" charset="0"/>
+                <a:cs typeface="Courier New" pitchFamily="49" charset="0"/>
+              </a:rPr>
+              <a:t>(pin, </a:t>
+            </a:r>
+            <a:r>
+              <a:rPr lang="pl-PL" sz="2000" b="1" dirty="0" err="1" smtClean="0">
+                <a:solidFill>
+                  <a:srgbClr val="0070C0"/>
+                </a:solidFill>
+                <a:latin typeface="Courier New" pitchFamily="49" charset="0"/>
+                <a:cs typeface="Courier New" pitchFamily="49" charset="0"/>
+              </a:rPr>
+              <a:t>value</a:t>
+            </a:r>
+            <a:r>
+              <a:rPr lang="pl-PL" sz="2000" b="1" dirty="0" smtClean="0">
+                <a:solidFill>
+                  <a:srgbClr val="0070C0"/>
+                </a:solidFill>
+                <a:latin typeface="Courier New" pitchFamily="49" charset="0"/>
+                <a:cs typeface="Courier New" pitchFamily="49" charset="0"/>
+              </a:rPr>
+              <a:t>)</a:t>
+            </a:r>
+            <a:br>
+              <a:rPr lang="pl-PL" sz="2000" b="1" dirty="0" smtClean="0">
+                <a:solidFill>
+                  <a:srgbClr val="0070C0"/>
+                </a:solidFill>
+                <a:latin typeface="Courier New" pitchFamily="49" charset="0"/>
+                <a:cs typeface="Courier New" pitchFamily="49" charset="0"/>
+              </a:rPr>
+            </a:br>
+            <a:r>
+              <a:rPr lang="pl-PL" sz="2000" dirty="0" smtClean="0">
+                <a:solidFill>
+                  <a:sysClr val="windowText" lastClr="000000"/>
+                </a:solidFill>
+                <a:latin typeface="Arial" pitchFamily="34" charset="0"/>
+                <a:cs typeface="Arial" pitchFamily="34" charset="0"/>
+              </a:rPr>
+              <a:t>ustala wypełnienie cyfrowego wtyku z PWM, 0=0%, 255=100%</a:t>
+            </a:r>
+            <a:endParaRPr lang="pl-PL" sz="2000" dirty="0" smtClean="0">
+              <a:solidFill>
+                <a:sysClr val="windowText" lastClr="000000"/>
+              </a:solidFill>
+              <a:latin typeface="Arial" pitchFamily="34" charset="0"/>
+              <a:cs typeface="Arial" pitchFamily="34" charset="0"/>
+            </a:endParaRPr>
+          </a:p>
+          <a:p>
+            <a:pPr marL="342900" indent="-342900" defTabSz="457200">
+              <a:lnSpc>
+                <a:spcPct val="100000"/>
+              </a:lnSpc>
+              <a:spcBef>
+                <a:spcPct val="20000"/>
+              </a:spcBef>
+              <a:spcAft>
+                <a:spcPts val="1200"/>
+              </a:spcAft>
+              <a:buClrTx/>
+              <a:buFont typeface="Arial" pitchFamily="34" charset="0"/>
+              <a:buChar char="•"/>
+            </a:pPr>
+            <a:r>
+              <a:rPr lang="pl-PL" sz="2000" b="1" dirty="0" smtClean="0">
+                <a:solidFill>
+                  <a:srgbClr val="0070C0"/>
+                </a:solidFill>
+                <a:latin typeface="Courier New" pitchFamily="49" charset="0"/>
+                <a:cs typeface="Courier New" pitchFamily="49" charset="0"/>
+              </a:rPr>
+              <a:t>map(</a:t>
+            </a:r>
+            <a:r>
+              <a:rPr lang="pl-PL" sz="2000" b="1" dirty="0" err="1" smtClean="0">
+                <a:solidFill>
+                  <a:srgbClr val="0070C0"/>
+                </a:solidFill>
+                <a:latin typeface="Courier New" pitchFamily="49" charset="0"/>
+                <a:cs typeface="Courier New" pitchFamily="49" charset="0"/>
+              </a:rPr>
+              <a:t>value</a:t>
+            </a:r>
+            <a:r>
+              <a:rPr lang="pl-PL" sz="2000" b="1" dirty="0" smtClean="0">
+                <a:solidFill>
+                  <a:srgbClr val="0070C0"/>
+                </a:solidFill>
+                <a:latin typeface="Courier New" pitchFamily="49" charset="0"/>
+                <a:cs typeface="Courier New" pitchFamily="49" charset="0"/>
+              </a:rPr>
+              <a:t>, </a:t>
+            </a:r>
+            <a:r>
+              <a:rPr lang="pl-PL" sz="2000" b="1" dirty="0" err="1" smtClean="0">
+                <a:solidFill>
+                  <a:srgbClr val="0070C0"/>
+                </a:solidFill>
+                <a:latin typeface="Courier New" pitchFamily="49" charset="0"/>
+                <a:cs typeface="Courier New" pitchFamily="49" charset="0"/>
+              </a:rPr>
+              <a:t>fromL</a:t>
+            </a:r>
+            <a:r>
+              <a:rPr lang="pl-PL" sz="2000" b="1" dirty="0" smtClean="0">
+                <a:solidFill>
+                  <a:srgbClr val="0070C0"/>
+                </a:solidFill>
+                <a:latin typeface="Courier New" pitchFamily="49" charset="0"/>
+                <a:cs typeface="Courier New" pitchFamily="49" charset="0"/>
+              </a:rPr>
+              <a:t>, </a:t>
+            </a:r>
+            <a:r>
+              <a:rPr lang="pl-PL" sz="2000" b="1" dirty="0" err="1" smtClean="0">
+                <a:solidFill>
+                  <a:srgbClr val="0070C0"/>
+                </a:solidFill>
+                <a:latin typeface="Courier New" pitchFamily="49" charset="0"/>
+                <a:cs typeface="Courier New" pitchFamily="49" charset="0"/>
+              </a:rPr>
+              <a:t>fromH</a:t>
+            </a:r>
+            <a:r>
+              <a:rPr lang="pl-PL" sz="2000" b="1" dirty="0" smtClean="0">
+                <a:solidFill>
+                  <a:srgbClr val="0070C0"/>
+                </a:solidFill>
+                <a:latin typeface="Courier New" pitchFamily="49" charset="0"/>
+                <a:cs typeface="Courier New" pitchFamily="49" charset="0"/>
+              </a:rPr>
+              <a:t>,</a:t>
+            </a:r>
+            <a:br>
+              <a:rPr lang="pl-PL" sz="2000" b="1" dirty="0" smtClean="0">
+                <a:solidFill>
+                  <a:srgbClr val="0070C0"/>
+                </a:solidFill>
+                <a:latin typeface="Courier New" pitchFamily="49" charset="0"/>
+                <a:cs typeface="Courier New" pitchFamily="49" charset="0"/>
+              </a:rPr>
+            </a:br>
+            <a:r>
+              <a:rPr lang="pl-PL" sz="2000" b="1" dirty="0" smtClean="0">
+                <a:solidFill>
+                  <a:srgbClr val="0070C0"/>
+                </a:solidFill>
+                <a:latin typeface="Courier New" pitchFamily="49" charset="0"/>
+                <a:cs typeface="Courier New" pitchFamily="49" charset="0"/>
+              </a:rPr>
+              <a:t>           </a:t>
+            </a:r>
+            <a:r>
+              <a:rPr lang="pl-PL" sz="2000" b="1" dirty="0" err="1" smtClean="0">
+                <a:solidFill>
+                  <a:srgbClr val="0070C0"/>
+                </a:solidFill>
+                <a:latin typeface="Courier New" pitchFamily="49" charset="0"/>
+                <a:cs typeface="Courier New" pitchFamily="49" charset="0"/>
+              </a:rPr>
+              <a:t>toL</a:t>
+            </a:r>
+            <a:r>
+              <a:rPr lang="pl-PL" sz="2000" b="1" dirty="0" smtClean="0">
+                <a:solidFill>
+                  <a:srgbClr val="0070C0"/>
+                </a:solidFill>
+                <a:latin typeface="Courier New" pitchFamily="49" charset="0"/>
+                <a:cs typeface="Courier New" pitchFamily="49" charset="0"/>
+              </a:rPr>
+              <a:t>, </a:t>
+            </a:r>
+            <a:r>
+              <a:rPr lang="pl-PL" sz="2000" b="1" dirty="0" err="1" smtClean="0">
+                <a:solidFill>
+                  <a:srgbClr val="0070C0"/>
+                </a:solidFill>
+                <a:latin typeface="Courier New" pitchFamily="49" charset="0"/>
+                <a:cs typeface="Courier New" pitchFamily="49" charset="0"/>
+              </a:rPr>
+              <a:t>toH</a:t>
+            </a:r>
+            <a:r>
+              <a:rPr lang="pl-PL" sz="2000" b="1" dirty="0" smtClean="0">
+                <a:solidFill>
+                  <a:srgbClr val="0070C0"/>
+                </a:solidFill>
+                <a:latin typeface="Courier New" pitchFamily="49" charset="0"/>
+                <a:cs typeface="Courier New" pitchFamily="49" charset="0"/>
+              </a:rPr>
+              <a:t>)</a:t>
+            </a:r>
+            <a:r>
+              <a:rPr lang="pl-PL" sz="2000" b="1" dirty="0" smtClean="0">
+                <a:solidFill>
+                  <a:srgbClr val="0070C0"/>
+                </a:solidFill>
+                <a:latin typeface="Courier New" pitchFamily="49" charset="0"/>
+                <a:cs typeface="Courier New" pitchFamily="49" charset="0"/>
+              </a:rPr>
+              <a:t/>
+            </a:r>
+            <a:br>
+              <a:rPr lang="pl-PL" sz="2000" b="1" dirty="0" smtClean="0">
+                <a:solidFill>
+                  <a:srgbClr val="0070C0"/>
+                </a:solidFill>
+                <a:latin typeface="Courier New" pitchFamily="49" charset="0"/>
+                <a:cs typeface="Courier New" pitchFamily="49" charset="0"/>
+              </a:rPr>
+            </a:br>
+            <a:r>
+              <a:rPr lang="pl-PL" sz="2000" dirty="0" smtClean="0">
+                <a:solidFill>
+                  <a:sysClr val="windowText" lastClr="000000"/>
+                </a:solidFill>
+                <a:latin typeface="Arial" pitchFamily="34" charset="0"/>
+                <a:cs typeface="Arial" pitchFamily="34" charset="0"/>
+              </a:rPr>
+              <a:t>mapuje jeden zakres na drugi</a:t>
+            </a:r>
+            <a:endParaRPr lang="pl-PL" sz="2000" dirty="0" smtClean="0">
+              <a:solidFill>
+                <a:sysClr val="windowText" lastClr="000000"/>
+              </a:solidFill>
+              <a:latin typeface="Arial" pitchFamily="34" charset="0"/>
+              <a:cs typeface="Arial" pitchFamily="34" charset="0"/>
+            </a:endParaRPr>
+          </a:p>
+        </p:txBody>
+      </p:sp>
+    </p:spTree>
+  </p:cSld>
+  <p:clrMapOvr>
+    <a:masterClrMapping/>
+  </p:clrMapOvr>
+  <p:timing>
+    <p:tnLst>
+      <p:par>
+        <p:cTn id="1" dur="indefinite" restart="never" nodeType="tmRoot"/>
+      </p:par>
+    </p:tnLst>
+  </p:timing>
+</p:sld>
+</file>
+
 <file path=ppt/slides/slide2.xml><?xml version="1.0" encoding="utf-8"?>
 <p:sld xmlns:a="http://schemas.openxmlformats.org/drawingml/2006/main" xmlns:r="http://schemas.openxmlformats.org/officeDocument/2006/relationships" xmlns:p="http://schemas.openxmlformats.org/presentationml/2006/main">
   <p:cSld>
@@ -11737,17 +14121,17 @@
                 <a:latin typeface="Arial" pitchFamily="34" charset="0"/>
                 <a:cs typeface="Arial" pitchFamily="34" charset="0"/>
               </a:rPr>
-              <a:t>Wtyk 4 ma </a:t>
-            </a:r>
-            <a:r>
-              <a:rPr lang="pl-PL" sz="2000" dirty="0" smtClean="0">
+              <a:t>Wtyk 4 ma linie I</a:t>
+            </a:r>
+            <a:r>
+              <a:rPr lang="pl-PL" sz="2000" baseline="30000" dirty="0" smtClean="0">
                 <a:solidFill>
                   <a:sysClr val="windowText" lastClr="000000"/>
                 </a:solidFill>
                 <a:latin typeface="Arial" pitchFamily="34" charset="0"/>
                 <a:cs typeface="Arial" pitchFamily="34" charset="0"/>
               </a:rPr>
-              <a:t>linie </a:t>
+              <a:t>2</a:t>
             </a:r>
             <a:r>
               <a:rPr lang="pl-PL" sz="2000" dirty="0" smtClean="0">
@@ -11757,35 +14141,8 @@
                 <a:latin typeface="Arial" pitchFamily="34" charset="0"/>
                 <a:cs typeface="Arial" pitchFamily="34" charset="0"/>
               </a:rPr>
-              <a:t>I</a:t>
-            </a:r>
-            <a:r>
-              <a:rPr lang="pl-PL" sz="2000" baseline="30000" dirty="0" smtClean="0">
-                <a:solidFill>
-                  <a:sysClr val="windowText" lastClr="000000"/>
-                </a:solidFill>
-                <a:latin typeface="Arial" pitchFamily="34" charset="0"/>
-                <a:cs typeface="Arial" pitchFamily="34" charset="0"/>
-              </a:rPr>
-              <a:t>2</a:t>
-            </a:r>
-            <a:r>
-              <a:rPr lang="pl-PL" sz="2000" dirty="0" smtClean="0">
-                <a:solidFill>
-                  <a:sysClr val="windowText" lastClr="000000"/>
-                </a:solidFill>
-                <a:latin typeface="Arial" pitchFamily="34" charset="0"/>
-                <a:cs typeface="Arial" pitchFamily="34" charset="0"/>
-              </a:rPr>
               <a:t>C.</a:t>
             </a:r>
-            <a:endParaRPr lang="pl-PL" sz="2000" dirty="0" smtClean="0">
-              <a:solidFill>
-                <a:sysClr val="windowText" lastClr="000000"/>
-              </a:solidFill>
-              <a:latin typeface="Arial" pitchFamily="34" charset="0"/>
-              <a:cs typeface="Arial" pitchFamily="34" charset="0"/>
-            </a:endParaRPr>
           </a:p>
           <a:p>
             <a:pPr marL="342900" indent="-342900" defTabSz="457200">
@@ -11810,25 +14167,8 @@
                 <a:latin typeface="Arial" pitchFamily="34" charset="0"/>
                 <a:cs typeface="Arial" pitchFamily="34" charset="0"/>
               </a:rPr>
-              <a:t>Wtyk 5 ma linie </a:t>
-            </a:r>
-            <a:r>
-              <a:rPr lang="pl-PL" sz="2000" dirty="0" smtClean="0">
-                <a:solidFill>
-                  <a:sysClr val="windowText" lastClr="000000"/>
-                </a:solidFill>
-                <a:latin typeface="Arial" pitchFamily="34" charset="0"/>
-                <a:cs typeface="Arial" pitchFamily="34" charset="0"/>
-              </a:rPr>
-              <a:t>SPI.</a:t>
-            </a:r>
-            <a:endParaRPr lang="pl-PL" sz="2000" dirty="0" smtClean="0">
-              <a:solidFill>
-                <a:sysClr val="windowText" lastClr="000000"/>
-              </a:solidFill>
-              <a:latin typeface="Arial" pitchFamily="34" charset="0"/>
-              <a:cs typeface="Arial" pitchFamily="34" charset="0"/>
-            </a:endParaRPr>
+              <a:t>Wtyk 5 ma linie SPI.</a:t>
+            </a:r>
           </a:p>
           <a:p>
             <a:pPr marL="342900" indent="-342900" defTabSz="457200">
@@ -11863,17 +14203,7 @@
                 <a:latin typeface="Arial" pitchFamily="34" charset="0"/>
                 <a:cs typeface="Arial" pitchFamily="34" charset="0"/>
               </a:rPr>
-              <a:t> </a:t>
-            </a:r>
-            <a:r>
-              <a:rPr lang="pl-PL" sz="2000" dirty="0" smtClean="0">
-                <a:solidFill>
-                  <a:sysClr val="windowText" lastClr="000000"/>
-                </a:solidFill>
-                <a:latin typeface="Arial" pitchFamily="34" charset="0"/>
-                <a:cs typeface="Arial" pitchFamily="34" charset="0"/>
-              </a:rPr>
-              <a:t>ma dodatkowe wyjścia dostępne w </a:t>
+              <a:t> ma dodatkowe wyjścia dostępne w </a:t>
             </a:r>
             <a:r>
               <a:rPr lang="pl-PL" sz="2000" b="1" dirty="0" err="1" smtClean="0">
@@ -13802,21 +16132,7 @@
                 <a:latin typeface="Arial" pitchFamily="34" charset="0"/>
                 <a:cs typeface="Arial" pitchFamily="34" charset="0"/>
               </a:rPr>
-              <a:t> IDE </a:t>
-            </a:r>
-            <a:r>
-              <a:rPr lang="pl-PL" dirty="0" smtClean="0">
-                <a:latin typeface="Arial" pitchFamily="34" charset="0"/>
-                <a:cs typeface="Arial" pitchFamily="34" charset="0"/>
-              </a:rPr>
-              <a:t>– </a:t>
-            </a:r>
-            <a:r>
-              <a:rPr lang="pl-PL" dirty="0" smtClean="0">
-                <a:latin typeface="Arial" pitchFamily="34" charset="0"/>
-                <a:cs typeface="Arial" pitchFamily="34" charset="0"/>
-              </a:rPr>
-              <a:t>kompilacja i wgrywanie</a:t>
+              <a:t> IDE – kompilacja i wgrywanie</a:t>
             </a:r>
             <a:endParaRPr lang="en-GB" dirty="0">
               <a:latin typeface="Arial" pitchFamily="34" charset="0"/>
@@ -13951,9 +16267,9 @@
                 <a:latin typeface="Arial" pitchFamily="34" charset="0"/>
                 <a:cs typeface="Arial" pitchFamily="34" charset="0"/>
               </a:rPr>
-              <a:t>Wybieramy </a:t>
-            </a:r>
-            <a:r>
+              <a:t>Wybieramy rodzaj płyty</a:t>
+            </a:r>
+            <a:br>
               <a:rPr lang="pl-PL" sz="2000" dirty="0" smtClean="0">
                 <a:solidFill>
                   <a:sysClr val="windowText" lastClr="000000"/>
@@ -13961,54 +16277,27 @@
                 <a:latin typeface="Arial" pitchFamily="34" charset="0"/>
                 <a:cs typeface="Arial" pitchFamily="34" charset="0"/>
               </a:rPr>
-              <a:t>rodzaj płyty</a:t>
-            </a:r>
-            <a:br>
-              <a:rPr lang="pl-PL" sz="2000" dirty="0" smtClean="0">
+            </a:br>
+            <a:r>
+              <a:rPr lang="pl-PL" sz="2000" b="1" dirty="0" err="1" smtClean="0">
                 <a:solidFill>
                   <a:sysClr val="windowText" lastClr="000000"/>
                 </a:solidFill>
-                <a:latin typeface="Arial" pitchFamily="34" charset="0"/>
-                <a:cs typeface="Arial" pitchFamily="34" charset="0"/>
-              </a:rPr>
-            </a:br>
-            <a:r>
-              <a:rPr lang="pl-PL" sz="2000" b="1" dirty="0" err="1" smtClean="0">
+                <a:latin typeface="Courier New" pitchFamily="49" charset="0"/>
+                <a:cs typeface="Courier New" pitchFamily="49" charset="0"/>
+              </a:rPr>
+              <a:t>Tools&gt;Board&gt;Arduino</a:t>
+            </a:r>
+            <a:r>
+              <a:rPr lang="pl-PL" sz="2000" b="1" dirty="0" smtClean="0">
                 <a:solidFill>
                   <a:sysClr val="windowText" lastClr="000000"/>
                 </a:solidFill>
                 <a:latin typeface="Courier New" pitchFamily="49" charset="0"/>
                 <a:cs typeface="Courier New" pitchFamily="49" charset="0"/>
               </a:rPr>
-              <a:t>Tools&gt;Board&gt;Arduino</a:t>
-            </a:r>
-            <a:r>
-              <a:rPr lang="pl-PL" sz="2000" b="1" dirty="0" smtClean="0">
-                <a:solidFill>
-                  <a:sysClr val="windowText" lastClr="000000"/>
-                </a:solidFill>
-                <a:latin typeface="Courier New" pitchFamily="49" charset="0"/>
-                <a:cs typeface="Courier New" pitchFamily="49" charset="0"/>
-              </a:rPr>
-              <a:t> </a:t>
-            </a:r>
-            <a:r>
-              <a:rPr lang="pl-PL" sz="2000" b="1" dirty="0" smtClean="0">
-                <a:solidFill>
-                  <a:sysClr val="windowText" lastClr="000000"/>
-                </a:solidFill>
-                <a:latin typeface="Courier New" pitchFamily="49" charset="0"/>
-                <a:cs typeface="Courier New" pitchFamily="49" charset="0"/>
-              </a:rPr>
-              <a:t>Leonardo</a:t>
-            </a:r>
-            <a:endParaRPr lang="pl-PL" sz="2000" b="1" dirty="0" smtClean="0">
-              <a:solidFill>
-                <a:sysClr val="windowText" lastClr="000000"/>
-              </a:solidFill>
-              <a:latin typeface="Courier New" pitchFamily="49" charset="0"/>
-              <a:cs typeface="Courier New" pitchFamily="49" charset="0"/>
-            </a:endParaRPr>
+              <a:t> Leonardo</a:t>
+            </a:r>
           </a:p>
           <a:p>
             <a:pPr marL="342900" indent="-342900" defTabSz="457200">
@@ -14187,17 +16476,7 @@
                 <a:latin typeface="Arial" pitchFamily="34" charset="0"/>
                 <a:cs typeface="Arial" pitchFamily="34" charset="0"/>
               </a:rPr>
-              <a:t>W</a:t>
-            </a:r>
-            <a:r>
-              <a:rPr lang="pl-PL" sz="2000" dirty="0" smtClean="0">
-                <a:solidFill>
-                  <a:sysClr val="windowText" lastClr="000000"/>
-                </a:solidFill>
-                <a:latin typeface="Arial" pitchFamily="34" charset="0"/>
-                <a:cs typeface="Arial" pitchFamily="34" charset="0"/>
-              </a:rPr>
-              <a:t>granie</a:t>
+              <a:t>Wgranie</a:t>
             </a:r>
             <a:br>
               <a:rPr lang="pl-PL" sz="2000" dirty="0" smtClean="0">
@@ -14532,14 +16811,7 @@
                 <a:latin typeface="Arial" pitchFamily="34" charset="0"/>
                 <a:cs typeface="Arial" pitchFamily="34" charset="0"/>
               </a:rPr>
-              <a:t> – </a:t>
-            </a:r>
-            <a:r>
-              <a:rPr lang="pl-PL" dirty="0" smtClean="0">
-                <a:latin typeface="Arial" pitchFamily="34" charset="0"/>
-                <a:cs typeface="Arial" pitchFamily="34" charset="0"/>
-              </a:rPr>
-              <a:t>cyfrowe wyjście</a:t>
+              <a:t> – cyfrowe wyjście</a:t>
             </a:r>
             <a:endParaRPr lang="en-GB" dirty="0">
               <a:latin typeface="Arial" pitchFamily="34" charset="0"/>
@@ -16099,14 +18371,7 @@
                 <a:latin typeface="Arial" pitchFamily="34" charset="0"/>
                 <a:cs typeface="Arial" pitchFamily="34" charset="0"/>
               </a:rPr>
-              <a:t> – </a:t>
-            </a:r>
-            <a:r>
-              <a:rPr lang="pl-PL" dirty="0" smtClean="0">
-                <a:latin typeface="Arial" pitchFamily="34" charset="0"/>
-                <a:cs typeface="Arial" pitchFamily="34" charset="0"/>
-              </a:rPr>
-              <a:t>cyfrowe wejście</a:t>
+              <a:t> – cyfrowe wejście</a:t>
             </a:r>
             <a:endParaRPr lang="en-GB" dirty="0">
               <a:latin typeface="Arial" pitchFamily="34" charset="0"/>
@@ -17923,6 +20188,18 @@
 <file path=ppt/tags/tag3.xml><?xml version="1.0" encoding="utf-8"?>
 <p:tagLst xmlns:a="http://schemas.openxmlformats.org/drawingml/2006/main" xmlns:r="http://schemas.openxmlformats.org/officeDocument/2006/relationships" xmlns:p="http://schemas.openxmlformats.org/presentationml/2006/main">
   <p:tag name="THINKCELLSHAPEDONOTDELETE" val="phk.3W3rhiEqWtBDEsi7Xgw"/>
+</p:tagLst>
+</file>
+
+<file path=ppt/tags/tag30.xml><?xml version="1.0" encoding="utf-8"?>
+<p:tagLst xmlns:a="http://schemas.openxmlformats.org/drawingml/2006/main" xmlns:r="http://schemas.openxmlformats.org/officeDocument/2006/relationships" xmlns:p="http://schemas.openxmlformats.org/presentationml/2006/main">
+  <p:tag name="THINKCELLSHAPEDONOTDELETE" val="prQEede2w9UymXTZvuecCog"/>
+</p:tagLst>
+</file>
+
+<file path=ppt/tags/tag31.xml><?xml version="1.0" encoding="utf-8"?>
+<p:tagLst xmlns:a="http://schemas.openxmlformats.org/drawingml/2006/main" xmlns:r="http://schemas.openxmlformats.org/officeDocument/2006/relationships" xmlns:p="http://schemas.openxmlformats.org/presentationml/2006/main">
+  <p:tag name="THINKCELLSHAPEDONOTDELETE" val="prQEede2w9UymXTZvuecCog"/>
 </p:tagLst>
 </file>
 
